--- a/module 7/Module-07-Slides.pptx
+++ b/module 7/Module-07-Slides.pptx
@@ -4,37 +4,40 @@
   <p:sldMasterIdLst>
     <p:sldMasterId id="2147483648" r:id="rId1"/>
   </p:sldMasterIdLst>
+  <p:notesMasterIdLst>
+    <p:notesMasterId r:id="rId30"/>
+  </p:notesMasterIdLst>
   <p:sldIdLst>
-    <p:sldId id="256" r:id="rId7"/>
-    <p:sldId id="257" r:id="rId9"/>
-    <p:sldId id="258" r:id="rId10"/>
-    <p:sldId id="259" r:id="rId11"/>
-    <p:sldId id="260" r:id="rId12"/>
-    <p:sldId id="261" r:id="rId13"/>
-    <p:sldId id="262" r:id="rId14"/>
-    <p:sldId id="263" r:id="rId15"/>
-    <p:sldId id="264" r:id="rId16"/>
-    <p:sldId id="265" r:id="rId17"/>
-    <p:sldId id="266" r:id="rId18"/>
-    <p:sldId id="267" r:id="rId19"/>
-    <p:sldId id="268" r:id="rId20"/>
-    <p:sldId id="269" r:id="rId21"/>
-    <p:sldId id="270" r:id="rId22"/>
-    <p:sldId id="271" r:id="rId23"/>
-    <p:sldId id="272" r:id="rId24"/>
-    <p:sldId id="273" r:id="rId25"/>
-    <p:sldId id="274" r:id="rId26"/>
-    <p:sldId id="275" r:id="rId27"/>
-    <p:sldId id="276" r:id="rId28"/>
-    <p:sldId id="277" r:id="rId29"/>
-    <p:sldId id="278" r:id="rId30"/>
-    <p:sldId id="279" r:id="rId31"/>
-    <p:sldId id="280" r:id="rId32"/>
-    <p:sldId id="281" r:id="rId33"/>
-    <p:sldId id="282" r:id="rId34"/>
-    <p:sldId id="283" r:id="rId35"/>
+    <p:sldId id="256" r:id="rId2"/>
+    <p:sldId id="257" r:id="rId3"/>
+    <p:sldId id="258" r:id="rId4"/>
+    <p:sldId id="259" r:id="rId5"/>
+    <p:sldId id="260" r:id="rId6"/>
+    <p:sldId id="261" r:id="rId7"/>
+    <p:sldId id="262" r:id="rId8"/>
+    <p:sldId id="263" r:id="rId9"/>
+    <p:sldId id="264" r:id="rId10"/>
+    <p:sldId id="265" r:id="rId11"/>
+    <p:sldId id="266" r:id="rId12"/>
+    <p:sldId id="267" r:id="rId13"/>
+    <p:sldId id="268" r:id="rId14"/>
+    <p:sldId id="269" r:id="rId15"/>
+    <p:sldId id="270" r:id="rId16"/>
+    <p:sldId id="271" r:id="rId17"/>
+    <p:sldId id="272" r:id="rId18"/>
+    <p:sldId id="273" r:id="rId19"/>
+    <p:sldId id="274" r:id="rId20"/>
+    <p:sldId id="275" r:id="rId21"/>
+    <p:sldId id="276" r:id="rId22"/>
+    <p:sldId id="277" r:id="rId23"/>
+    <p:sldId id="278" r:id="rId24"/>
+    <p:sldId id="279" r:id="rId25"/>
+    <p:sldId id="280" r:id="rId26"/>
+    <p:sldId id="281" r:id="rId27"/>
+    <p:sldId id="282" r:id="rId28"/>
+    <p:sldId id="283" r:id="rId29"/>
   </p:sldIdLst>
-  <p:sldSz cx="12191695" cy="6858000" type="screen4x3"/>
+  <p:sldSz cx="12192000" cy="6858000"/>
   <p:notesSz cx="6858000" cy="9144000"/>
   <p:defaultTextStyle>
     <a:defPPr>
@@ -131,11 +134,27 @@
       </a:defRPr>
     </a:lvl9pPr>
   </p:defaultTextStyle>
+  <p:extLst>
+    <p:ext uri="{EFAFB233-063F-42B5-8137-9DF3F51BA10A}">
+      <p15:sldGuideLst xmlns:p15="http://schemas.microsoft.com/office/powerpoint/2012/main">
+        <p15:guide id="1" orient="horz" pos="2160">
+          <p15:clr>
+            <a:srgbClr val="A4A3A4"/>
+          </p15:clr>
+        </p15:guide>
+        <p15:guide id="2" pos="2880">
+          <p15:clr>
+            <a:srgbClr val="A4A3A4"/>
+          </p15:clr>
+        </p15:guide>
+      </p15:sldGuideLst>
+    </p:ext>
+  </p:extLst>
 </p:presentation>
 </file>
 
 <file path=ppt/notesMasters/notesMaster1.xml><?xml version="1.0" encoding="utf-8"?>
-<p:notesMaster xmlns:a="http://schemas.openxmlformats.org/drawingml/2006/main" xmlns:p="http://schemas.openxmlformats.org/presentationml/2006/main" xmlns:r="http://schemas.openxmlformats.org/officeDocument/2006/relationships">
+<p:notesMaster xmlns:a="http://schemas.openxmlformats.org/drawingml/2006/main" xmlns:r="http://schemas.openxmlformats.org/officeDocument/2006/relationships" xmlns:p="http://schemas.openxmlformats.org/presentationml/2006/main">
   <p:cSld>
     <p:bg>
       <p:bgRef idx="1001">
@@ -156,241 +175,16 @@
           <a:chExt cx="0" cy="0"/>
         </a:xfrm>
       </p:grpSpPr>
-      <p:sp>
-        <p:nvSpPr>
-          <p:cNvPr id="2" name="Header Placeholder 1"/>
-          <p:cNvSpPr>
-            <a:spLocks noGrp="1"/>
-          </p:cNvSpPr>
-          <p:nvPr>
-            <p:ph type="hdr" sz="quarter"/>
-          </p:nvPr>
-        </p:nvSpPr>
-        <p:spPr>
-          <a:xfrm>
-            <a:off x="0" y="0"/>
-            <a:ext cx="2971800" cy="457200"/>
-          </a:xfrm>
-          <a:prstGeom prst="rect">
-            <a:avLst/>
-          </a:prstGeom>
-        </p:spPr>
-        <p:txBody>
-          <a:bodyPr vert="horz" lIns="91440" tIns="45720" rIns="91440" bIns="45720" rtlCol="0"/>
-          <a:lstStyle>
-            <a:lvl1pPr algn="l">
-              <a:defRPr sz="1200"/>
-            </a:lvl1pPr>
-          </a:lstStyle>
-          <a:p>
-            <a:endParaRPr lang="en-US"/>
-          </a:p>
-        </p:txBody>
-      </p:sp>
-      <p:sp>
-        <p:nvSpPr>
-          <p:cNvPr id="3" name="Date Placeholder 2"/>
-          <p:cNvSpPr>
-            <a:spLocks noGrp="1"/>
-          </p:cNvSpPr>
-          <p:nvPr>
-            <p:ph type="dt" idx="1"/>
-          </p:nvPr>
-        </p:nvSpPr>
-        <p:spPr>
-          <a:xfrm>
-            <a:off x="3884613" y="0"/>
-            <a:ext cx="2971800" cy="457200"/>
-          </a:xfrm>
-          <a:prstGeom prst="rect">
-            <a:avLst/>
-          </a:prstGeom>
-        </p:spPr>
-        <p:txBody>
-          <a:bodyPr vert="horz" lIns="91440" tIns="45720" rIns="91440" bIns="45720" rtlCol="0"/>
-          <a:lstStyle>
-            <a:lvl1pPr algn="r">
-              <a:defRPr sz="1200"/>
-            </a:lvl1pPr>
-          </a:lstStyle>
-          <a:p>
-            <a:fld id="{0F89C1C7-3DCD-1040-A9CF-14679D8B5DDD}" type="datetimeFigureOut">
-              <a:rPr lang="en-US" smtClean="0"/>
-              <a:t>10/17/16</a:t>
-            </a:fld>
-            <a:endParaRPr lang="en-US"/>
-          </a:p>
-        </p:txBody>
-      </p:sp>
-      <p:sp>
-        <p:nvSpPr>
-          <p:cNvPr id="4" name="Slide Image Placeholder 3"/>
-          <p:cNvSpPr>
-            <a:spLocks noGrp="1" noRot="1" noChangeAspect="1"/>
-          </p:cNvSpPr>
-          <p:nvPr>
-            <p:ph type="sldImg" idx="2"/>
-          </p:nvPr>
-        </p:nvSpPr>
-        <p:spPr>
-          <a:xfrm>
-            <a:off x="1143000" y="685800"/>
-            <a:ext cx="4572000" cy="3429000"/>
-          </a:xfrm>
-          <a:prstGeom prst="rect">
-            <a:avLst/>
-          </a:prstGeom>
-          <a:noFill/>
-          <a:ln w="12700">
-            <a:solidFill>
-              <a:prstClr val="black"/>
-            </a:solidFill>
-          </a:ln>
-        </p:spPr>
-        <p:txBody>
-          <a:bodyPr vert="horz" lIns="91440" tIns="45720" rIns="91440" bIns="45720" rtlCol="0" anchor="ctr"/>
-          <a:lstStyle/>
-          <a:p>
-            <a:endParaRPr lang="en-US"/>
-          </a:p>
-        </p:txBody>
-      </p:sp>
-      <p:sp>
-        <p:nvSpPr>
-          <p:cNvPr id="5" name="Notes Placeholder 4"/>
-          <p:cNvSpPr>
-            <a:spLocks noGrp="1"/>
-          </p:cNvSpPr>
-          <p:nvPr>
-            <p:ph type="body" sz="quarter" idx="3"/>
-          </p:nvPr>
-        </p:nvSpPr>
-        <p:spPr>
-          <a:xfrm>
-            <a:off x="685800" y="4343400"/>
-            <a:ext cx="5486400" cy="4114800"/>
-          </a:xfrm>
-          <a:prstGeom prst="rect">
-            <a:avLst/>
-          </a:prstGeom>
-        </p:spPr>
-        <p:txBody>
-          <a:bodyPr vert="horz" lIns="91440" tIns="45720" rIns="91440" bIns="45720" rtlCol="0"/>
-          <a:lstStyle/>
-          <a:p>
-            <a:pPr lvl="0"/>
-            <a:r>
-              <a:rPr lang="en-US" smtClean="0"/>
-              <a:t>Click to edit Master text styles</a:t>
-            </a:r>
-          </a:p>
-          <a:p>
-            <a:pPr lvl="1"/>
-            <a:r>
-              <a:rPr lang="en-US" smtClean="0"/>
-              <a:t>Second level</a:t>
-            </a:r>
-          </a:p>
-          <a:p>
-            <a:pPr lvl="2"/>
-            <a:r>
-              <a:rPr lang="en-US" smtClean="0"/>
-              <a:t>Third level</a:t>
-            </a:r>
-          </a:p>
-          <a:p>
-            <a:pPr lvl="3"/>
-            <a:r>
-              <a:rPr lang="en-US" smtClean="0"/>
-              <a:t>Fourth level</a:t>
-            </a:r>
-          </a:p>
-          <a:p>
-            <a:pPr lvl="4"/>
-            <a:r>
-              <a:rPr lang="en-US" smtClean="0"/>
-              <a:t>Fifth level</a:t>
-            </a:r>
-            <a:endParaRPr lang="en-US"/>
-          </a:p>
-        </p:txBody>
-      </p:sp>
-      <p:sp>
-        <p:nvSpPr>
-          <p:cNvPr id="6" name="Footer Placeholder 5"/>
-          <p:cNvSpPr>
-            <a:spLocks noGrp="1"/>
-          </p:cNvSpPr>
-          <p:nvPr>
-            <p:ph type="ftr" sz="quarter" idx="4"/>
-          </p:nvPr>
-        </p:nvSpPr>
-        <p:spPr>
-          <a:xfrm>
-            <a:off x="0" y="8685213"/>
-            <a:ext cx="2971800" cy="457200"/>
-          </a:xfrm>
-          <a:prstGeom prst="rect">
-            <a:avLst/>
-          </a:prstGeom>
-        </p:spPr>
-        <p:txBody>
-          <a:bodyPr vert="horz" lIns="91440" tIns="45720" rIns="91440" bIns="45720" rtlCol="0" anchor="b"/>
-          <a:lstStyle>
-            <a:lvl1pPr algn="l">
-              <a:defRPr sz="1200"/>
-            </a:lvl1pPr>
-          </a:lstStyle>
-          <a:p>
-            <a:endParaRPr lang="en-US"/>
-          </a:p>
-        </p:txBody>
-      </p:sp>
-      <p:sp>
-        <p:nvSpPr>
-          <p:cNvPr id="7" name="Slide Number Placeholder 6"/>
-          <p:cNvSpPr>
-            <a:spLocks noGrp="1"/>
-          </p:cNvSpPr>
-          <p:nvPr>
-            <p:ph type="sldNum" sz="quarter" idx="5"/>
-          </p:nvPr>
-        </p:nvSpPr>
-        <p:spPr>
-          <a:xfrm>
-            <a:off x="3884613" y="8685213"/>
-            <a:ext cx="2971800" cy="457200"/>
-          </a:xfrm>
-          <a:prstGeom prst="rect">
-            <a:avLst/>
-          </a:prstGeom>
-        </p:spPr>
-        <p:txBody>
-          <a:bodyPr vert="horz" lIns="91440" tIns="45720" rIns="91440" bIns="45720" rtlCol="0" anchor="b"/>
-          <a:lstStyle>
-            <a:lvl1pPr algn="r">
-              <a:defRPr sz="1200"/>
-            </a:lvl1pPr>
-          </a:lstStyle>
-          <a:p>
-            <a:fld id="{BB5E49A5-4136-284D-997B-48E1D791AD67}" type="slidenum">
-              <a:rPr lang="en-US" smtClean="0"/>
-              <a:t>‹#›</a:t>
-            </a:fld>
-            <a:endParaRPr lang="en-US"/>
-          </a:p>
-        </p:txBody>
-      </p:sp>
     </p:spTree>
     <p:extLst>
       <p:ext uri="{BB962C8B-B14F-4D97-AF65-F5344CB8AC3E}">
-        <p14:creationId xmlns:p14="http://schemas.microsoft.com/office/powerpoint/2010/main" val="2623252185"/>
+        <p14:creationId xmlns:p14="http://schemas.microsoft.com/office/powerpoint/2010/main" val="4290513077"/>
       </p:ext>
     </p:extLst>
   </p:cSld>
   <p:clrMap bg1="lt1" tx1="dk1" bg2="lt2" tx2="dk2" accent1="accent1" accent2="accent2" accent3="accent3" accent4="accent4" accent5="accent5" accent6="accent6" hlink="hlink" folHlink="folHlink"/>
   <p:notesStyle>
-    <a:lvl1pPr marL="0" algn="l" defTabSz="457200" rtl="0" eaLnBrk="1" latinLnBrk="0" hangingPunct="1">
+    <a:lvl1pPr marL="0" algn="l" defTabSz="914400" rtl="0" eaLnBrk="1" latinLnBrk="0" hangingPunct="1">
       <a:defRPr sz="1200" kern="1200">
         <a:solidFill>
           <a:schemeClr val="tx1"/>
@@ -400,7 +194,7 @@
         <a:cs typeface="+mn-cs"/>
       </a:defRPr>
     </a:lvl1pPr>
-    <a:lvl2pPr marL="457200" algn="l" defTabSz="457200" rtl="0" eaLnBrk="1" latinLnBrk="0" hangingPunct="1">
+    <a:lvl2pPr marL="457200" algn="l" defTabSz="914400" rtl="0" eaLnBrk="1" latinLnBrk="0" hangingPunct="1">
       <a:defRPr sz="1200" kern="1200">
         <a:solidFill>
           <a:schemeClr val="tx1"/>
@@ -410,7 +204,7 @@
         <a:cs typeface="+mn-cs"/>
       </a:defRPr>
     </a:lvl2pPr>
-    <a:lvl3pPr marL="914400" algn="l" defTabSz="457200" rtl="0" eaLnBrk="1" latinLnBrk="0" hangingPunct="1">
+    <a:lvl3pPr marL="914400" algn="l" defTabSz="914400" rtl="0" eaLnBrk="1" latinLnBrk="0" hangingPunct="1">
       <a:defRPr sz="1200" kern="1200">
         <a:solidFill>
           <a:schemeClr val="tx1"/>
@@ -420,7 +214,7 @@
         <a:cs typeface="+mn-cs"/>
       </a:defRPr>
     </a:lvl3pPr>
-    <a:lvl4pPr marL="1371600" algn="l" defTabSz="457200" rtl="0" eaLnBrk="1" latinLnBrk="0" hangingPunct="1">
+    <a:lvl4pPr marL="1371600" algn="l" defTabSz="914400" rtl="0" eaLnBrk="1" latinLnBrk="0" hangingPunct="1">
       <a:defRPr sz="1200" kern="1200">
         <a:solidFill>
           <a:schemeClr val="tx1"/>
@@ -430,7 +224,7 @@
         <a:cs typeface="+mn-cs"/>
       </a:defRPr>
     </a:lvl4pPr>
-    <a:lvl5pPr marL="1828800" algn="l" defTabSz="457200" rtl="0" eaLnBrk="1" latinLnBrk="0" hangingPunct="1">
+    <a:lvl5pPr marL="1828800" algn="l" defTabSz="914400" rtl="0" eaLnBrk="1" latinLnBrk="0" hangingPunct="1">
       <a:defRPr sz="1200" kern="1200">
         <a:solidFill>
           <a:schemeClr val="tx1"/>
@@ -440,7 +234,7 @@
         <a:cs typeface="+mn-cs"/>
       </a:defRPr>
     </a:lvl5pPr>
-    <a:lvl6pPr marL="2286000" algn="l" defTabSz="457200" rtl="0" eaLnBrk="1" latinLnBrk="0" hangingPunct="1">
+    <a:lvl6pPr marL="2286000" algn="l" defTabSz="914400" rtl="0" eaLnBrk="1" latinLnBrk="0" hangingPunct="1">
       <a:defRPr sz="1200" kern="1200">
         <a:solidFill>
           <a:schemeClr val="tx1"/>
@@ -450,7 +244,7 @@
         <a:cs typeface="+mn-cs"/>
       </a:defRPr>
     </a:lvl6pPr>
-    <a:lvl7pPr marL="2743200" algn="l" defTabSz="457200" rtl="0" eaLnBrk="1" latinLnBrk="0" hangingPunct="1">
+    <a:lvl7pPr marL="2743200" algn="l" defTabSz="914400" rtl="0" eaLnBrk="1" latinLnBrk="0" hangingPunct="1">
       <a:defRPr sz="1200" kern="1200">
         <a:solidFill>
           <a:schemeClr val="tx1"/>
@@ -460,7 +254,7 @@
         <a:cs typeface="+mn-cs"/>
       </a:defRPr>
     </a:lvl7pPr>
-    <a:lvl8pPr marL="3200400" algn="l" defTabSz="457200" rtl="0" eaLnBrk="1" latinLnBrk="0" hangingPunct="1">
+    <a:lvl8pPr marL="3200400" algn="l" defTabSz="914400" rtl="0" eaLnBrk="1" latinLnBrk="0" hangingPunct="1">
       <a:defRPr sz="1200" kern="1200">
         <a:solidFill>
           <a:schemeClr val="tx1"/>
@@ -470,7 +264,7 @@
         <a:cs typeface="+mn-cs"/>
       </a:defRPr>
     </a:lvl8pPr>
-    <a:lvl9pPr marL="3657600" algn="l" defTabSz="457200" rtl="0" eaLnBrk="1" latinLnBrk="0" hangingPunct="1">
+    <a:lvl9pPr marL="3657600" algn="l" defTabSz="914400" rtl="0" eaLnBrk="1" latinLnBrk="0" hangingPunct="1">
       <a:defRPr sz="1200" kern="1200">
         <a:solidFill>
           <a:schemeClr val="tx1"/>
@@ -485,7 +279,7 @@
 </file>
 
 <file path=ppt/notesSlides/notesSlide1.xml><?xml version="1.0" encoding="utf-8"?>
-<p:notes xmlns:a="http://schemas.openxmlformats.org/drawingml/2006/main" xmlns:p="http://schemas.openxmlformats.org/presentationml/2006/main" xmlns:r="http://schemas.openxmlformats.org/officeDocument/2006/relationships">
+<p:notes xmlns:a="http://schemas.openxmlformats.org/drawingml/2006/main" xmlns:r="http://schemas.openxmlformats.org/officeDocument/2006/relationships" xmlns:p="http://schemas.openxmlformats.org/presentationml/2006/main">
   <p:cSld>
     <p:spTree>
       <p:nvGrpSpPr>
@@ -505,7 +299,7 @@
         <p:nvSpPr>
           <p:cNvPr id="2" name="Slide Image Placeholder 1"/>
           <p:cNvSpPr>
-            <a:spLocks noGrp="1"/>
+            <a:spLocks noGrp="1" noRot="1" noChangeAspect="1"/>
           </p:cNvSpPr>
           <p:nvPr>
             <p:ph type="sldImg" idx="2"/>
@@ -520,7 +314,7 @@
             <a:spLocks noGrp="1"/>
           </p:cNvSpPr>
           <p:nvPr>
-            <p:ph type="body" idx="3" sz="quarter"/>
+            <p:ph type="body" sz="quarter" idx="3"/>
           </p:nvPr>
         </p:nvSpPr>
         <p:spPr/>
@@ -541,7 +335,7 @@
             <a:spLocks noGrp="1"/>
           </p:cNvSpPr>
           <p:nvPr>
-            <p:ph type="sldNum" idx="5" sz="quarter"/>
+            <p:ph type="sldNum" sz="quarter" idx="5"/>
           </p:nvPr>
         </p:nvSpPr>
         <p:spPr/>
@@ -555,7 +349,7 @@
 </file>
 
 <file path=ppt/notesSlides/notesSlide10.xml><?xml version="1.0" encoding="utf-8"?>
-<p:notes xmlns:a="http://schemas.openxmlformats.org/drawingml/2006/main" xmlns:p="http://schemas.openxmlformats.org/presentationml/2006/main" xmlns:r="http://schemas.openxmlformats.org/officeDocument/2006/relationships">
+<p:notes xmlns:a="http://schemas.openxmlformats.org/drawingml/2006/main" xmlns:r="http://schemas.openxmlformats.org/officeDocument/2006/relationships" xmlns:p="http://schemas.openxmlformats.org/presentationml/2006/main">
   <p:cSld>
     <p:spTree>
       <p:nvGrpSpPr>
@@ -575,7 +369,7 @@
         <p:nvSpPr>
           <p:cNvPr id="2" name="Slide Image Placeholder 1"/>
           <p:cNvSpPr>
-            <a:spLocks noGrp="1"/>
+            <a:spLocks noGrp="1" noRot="1" noChangeAspect="1"/>
           </p:cNvSpPr>
           <p:nvPr>
             <p:ph type="sldImg" idx="2"/>
@@ -590,7 +384,7 @@
             <a:spLocks noGrp="1"/>
           </p:cNvSpPr>
           <p:nvPr>
-            <p:ph type="body" idx="3" sz="quarter"/>
+            <p:ph type="body" sz="quarter" idx="3"/>
           </p:nvPr>
         </p:nvSpPr>
         <p:spPr/>
@@ -611,7 +405,7 @@
             <a:spLocks noGrp="1"/>
           </p:cNvSpPr>
           <p:nvPr>
-            <p:ph type="sldNum" idx="5" sz="quarter"/>
+            <p:ph type="sldNum" sz="quarter" idx="5"/>
           </p:nvPr>
         </p:nvSpPr>
         <p:spPr/>
@@ -625,7 +419,7 @@
 </file>
 
 <file path=ppt/notesSlides/notesSlide11.xml><?xml version="1.0" encoding="utf-8"?>
-<p:notes xmlns:a="http://schemas.openxmlformats.org/drawingml/2006/main" xmlns:p="http://schemas.openxmlformats.org/presentationml/2006/main" xmlns:r="http://schemas.openxmlformats.org/officeDocument/2006/relationships">
+<p:notes xmlns:a="http://schemas.openxmlformats.org/drawingml/2006/main" xmlns:r="http://schemas.openxmlformats.org/officeDocument/2006/relationships" xmlns:p="http://schemas.openxmlformats.org/presentationml/2006/main">
   <p:cSld>
     <p:spTree>
       <p:nvGrpSpPr>
@@ -645,7 +439,7 @@
         <p:nvSpPr>
           <p:cNvPr id="2" name="Slide Image Placeholder 1"/>
           <p:cNvSpPr>
-            <a:spLocks noGrp="1"/>
+            <a:spLocks noGrp="1" noRot="1" noChangeAspect="1"/>
           </p:cNvSpPr>
           <p:nvPr>
             <p:ph type="sldImg" idx="2"/>
@@ -660,7 +454,7 @@
             <a:spLocks noGrp="1"/>
           </p:cNvSpPr>
           <p:nvPr>
-            <p:ph type="body" idx="3" sz="quarter"/>
+            <p:ph type="body" sz="quarter" idx="3"/>
           </p:nvPr>
         </p:nvSpPr>
         <p:spPr/>
@@ -681,7 +475,7 @@
             <a:spLocks noGrp="1"/>
           </p:cNvSpPr>
           <p:nvPr>
-            <p:ph type="sldNum" idx="5" sz="quarter"/>
+            <p:ph type="sldNum" sz="quarter" idx="5"/>
           </p:nvPr>
         </p:nvSpPr>
         <p:spPr/>
@@ -695,7 +489,7 @@
 </file>
 
 <file path=ppt/notesSlides/notesSlide12.xml><?xml version="1.0" encoding="utf-8"?>
-<p:notes xmlns:a="http://schemas.openxmlformats.org/drawingml/2006/main" xmlns:p="http://schemas.openxmlformats.org/presentationml/2006/main" xmlns:r="http://schemas.openxmlformats.org/officeDocument/2006/relationships">
+<p:notes xmlns:a="http://schemas.openxmlformats.org/drawingml/2006/main" xmlns:r="http://schemas.openxmlformats.org/officeDocument/2006/relationships" xmlns:p="http://schemas.openxmlformats.org/presentationml/2006/main">
   <p:cSld>
     <p:spTree>
       <p:nvGrpSpPr>
@@ -715,7 +509,7 @@
         <p:nvSpPr>
           <p:cNvPr id="2" name="Slide Image Placeholder 1"/>
           <p:cNvSpPr>
-            <a:spLocks noGrp="1"/>
+            <a:spLocks noGrp="1" noRot="1" noChangeAspect="1"/>
           </p:cNvSpPr>
           <p:nvPr>
             <p:ph type="sldImg" idx="2"/>
@@ -730,7 +524,7 @@
             <a:spLocks noGrp="1"/>
           </p:cNvSpPr>
           <p:nvPr>
-            <p:ph type="body" idx="3" sz="quarter"/>
+            <p:ph type="body" sz="quarter" idx="3"/>
           </p:nvPr>
         </p:nvSpPr>
         <p:spPr/>
@@ -751,7 +545,7 @@
             <a:spLocks noGrp="1"/>
           </p:cNvSpPr>
           <p:nvPr>
-            <p:ph type="sldNum" idx="5" sz="quarter"/>
+            <p:ph type="sldNum" sz="quarter" idx="5"/>
           </p:nvPr>
         </p:nvSpPr>
         <p:spPr/>
@@ -765,7 +559,7 @@
 </file>
 
 <file path=ppt/notesSlides/notesSlide13.xml><?xml version="1.0" encoding="utf-8"?>
-<p:notes xmlns:a="http://schemas.openxmlformats.org/drawingml/2006/main" xmlns:p="http://schemas.openxmlformats.org/presentationml/2006/main" xmlns:r="http://schemas.openxmlformats.org/officeDocument/2006/relationships">
+<p:notes xmlns:a="http://schemas.openxmlformats.org/drawingml/2006/main" xmlns:r="http://schemas.openxmlformats.org/officeDocument/2006/relationships" xmlns:p="http://schemas.openxmlformats.org/presentationml/2006/main">
   <p:cSld>
     <p:spTree>
       <p:nvGrpSpPr>
@@ -785,7 +579,7 @@
         <p:nvSpPr>
           <p:cNvPr id="2" name="Slide Image Placeholder 1"/>
           <p:cNvSpPr>
-            <a:spLocks noGrp="1"/>
+            <a:spLocks noGrp="1" noRot="1" noChangeAspect="1"/>
           </p:cNvSpPr>
           <p:nvPr>
             <p:ph type="sldImg" idx="2"/>
@@ -800,7 +594,7 @@
             <a:spLocks noGrp="1"/>
           </p:cNvSpPr>
           <p:nvPr>
-            <p:ph type="body" idx="3" sz="quarter"/>
+            <p:ph type="body" sz="quarter" idx="3"/>
           </p:nvPr>
         </p:nvSpPr>
         <p:spPr/>
@@ -821,7 +615,7 @@
             <a:spLocks noGrp="1"/>
           </p:cNvSpPr>
           <p:nvPr>
-            <p:ph type="sldNum" idx="5" sz="quarter"/>
+            <p:ph type="sldNum" sz="quarter" idx="5"/>
           </p:nvPr>
         </p:nvSpPr>
         <p:spPr/>
@@ -835,7 +629,7 @@
 </file>
 
 <file path=ppt/notesSlides/notesSlide14.xml><?xml version="1.0" encoding="utf-8"?>
-<p:notes xmlns:a="http://schemas.openxmlformats.org/drawingml/2006/main" xmlns:p="http://schemas.openxmlformats.org/presentationml/2006/main" xmlns:r="http://schemas.openxmlformats.org/officeDocument/2006/relationships">
+<p:notes xmlns:a="http://schemas.openxmlformats.org/drawingml/2006/main" xmlns:r="http://schemas.openxmlformats.org/officeDocument/2006/relationships" xmlns:p="http://schemas.openxmlformats.org/presentationml/2006/main">
   <p:cSld>
     <p:spTree>
       <p:nvGrpSpPr>
@@ -855,7 +649,7 @@
         <p:nvSpPr>
           <p:cNvPr id="2" name="Slide Image Placeholder 1"/>
           <p:cNvSpPr>
-            <a:spLocks noGrp="1"/>
+            <a:spLocks noGrp="1" noRot="1" noChangeAspect="1"/>
           </p:cNvSpPr>
           <p:nvPr>
             <p:ph type="sldImg" idx="2"/>
@@ -870,7 +664,7 @@
             <a:spLocks noGrp="1"/>
           </p:cNvSpPr>
           <p:nvPr>
-            <p:ph type="body" idx="3" sz="quarter"/>
+            <p:ph type="body" sz="quarter" idx="3"/>
           </p:nvPr>
         </p:nvSpPr>
         <p:spPr/>
@@ -891,7 +685,7 @@
             <a:spLocks noGrp="1"/>
           </p:cNvSpPr>
           <p:nvPr>
-            <p:ph type="sldNum" idx="5" sz="quarter"/>
+            <p:ph type="sldNum" sz="quarter" idx="5"/>
           </p:nvPr>
         </p:nvSpPr>
         <p:spPr/>
@@ -905,7 +699,7 @@
 </file>
 
 <file path=ppt/notesSlides/notesSlide15.xml><?xml version="1.0" encoding="utf-8"?>
-<p:notes xmlns:a="http://schemas.openxmlformats.org/drawingml/2006/main" xmlns:p="http://schemas.openxmlformats.org/presentationml/2006/main" xmlns:r="http://schemas.openxmlformats.org/officeDocument/2006/relationships">
+<p:notes xmlns:a="http://schemas.openxmlformats.org/drawingml/2006/main" xmlns:r="http://schemas.openxmlformats.org/officeDocument/2006/relationships" xmlns:p="http://schemas.openxmlformats.org/presentationml/2006/main">
   <p:cSld>
     <p:spTree>
       <p:nvGrpSpPr>
@@ -925,7 +719,7 @@
         <p:nvSpPr>
           <p:cNvPr id="2" name="Slide Image Placeholder 1"/>
           <p:cNvSpPr>
-            <a:spLocks noGrp="1"/>
+            <a:spLocks noGrp="1" noRot="1" noChangeAspect="1"/>
           </p:cNvSpPr>
           <p:nvPr>
             <p:ph type="sldImg" idx="2"/>
@@ -940,7 +734,7 @@
             <a:spLocks noGrp="1"/>
           </p:cNvSpPr>
           <p:nvPr>
-            <p:ph type="body" idx="3" sz="quarter"/>
+            <p:ph type="body" sz="quarter" idx="3"/>
           </p:nvPr>
         </p:nvSpPr>
         <p:spPr/>
@@ -961,7 +755,7 @@
             <a:spLocks noGrp="1"/>
           </p:cNvSpPr>
           <p:nvPr>
-            <p:ph type="sldNum" idx="5" sz="quarter"/>
+            <p:ph type="sldNum" sz="quarter" idx="5"/>
           </p:nvPr>
         </p:nvSpPr>
         <p:spPr/>
@@ -975,7 +769,7 @@
 </file>
 
 <file path=ppt/notesSlides/notesSlide16.xml><?xml version="1.0" encoding="utf-8"?>
-<p:notes xmlns:a="http://schemas.openxmlformats.org/drawingml/2006/main" xmlns:p="http://schemas.openxmlformats.org/presentationml/2006/main" xmlns:r="http://schemas.openxmlformats.org/officeDocument/2006/relationships">
+<p:notes xmlns:a="http://schemas.openxmlformats.org/drawingml/2006/main" xmlns:r="http://schemas.openxmlformats.org/officeDocument/2006/relationships" xmlns:p="http://schemas.openxmlformats.org/presentationml/2006/main">
   <p:cSld>
     <p:spTree>
       <p:nvGrpSpPr>
@@ -995,7 +789,7 @@
         <p:nvSpPr>
           <p:cNvPr id="2" name="Slide Image Placeholder 1"/>
           <p:cNvSpPr>
-            <a:spLocks noGrp="1"/>
+            <a:spLocks noGrp="1" noRot="1" noChangeAspect="1"/>
           </p:cNvSpPr>
           <p:nvPr>
             <p:ph type="sldImg" idx="2"/>
@@ -1010,7 +804,7 @@
             <a:spLocks noGrp="1"/>
           </p:cNvSpPr>
           <p:nvPr>
-            <p:ph type="body" idx="3" sz="quarter"/>
+            <p:ph type="body" sz="quarter" idx="3"/>
           </p:nvPr>
         </p:nvSpPr>
         <p:spPr/>
@@ -1031,7 +825,7 @@
             <a:spLocks noGrp="1"/>
           </p:cNvSpPr>
           <p:nvPr>
-            <p:ph type="sldNum" idx="5" sz="quarter"/>
+            <p:ph type="sldNum" sz="quarter" idx="5"/>
           </p:nvPr>
         </p:nvSpPr>
         <p:spPr/>
@@ -1045,7 +839,7 @@
 </file>
 
 <file path=ppt/notesSlides/notesSlide17.xml><?xml version="1.0" encoding="utf-8"?>
-<p:notes xmlns:a="http://schemas.openxmlformats.org/drawingml/2006/main" xmlns:p="http://schemas.openxmlformats.org/presentationml/2006/main" xmlns:r="http://schemas.openxmlformats.org/officeDocument/2006/relationships">
+<p:notes xmlns:a="http://schemas.openxmlformats.org/drawingml/2006/main" xmlns:r="http://schemas.openxmlformats.org/officeDocument/2006/relationships" xmlns:p="http://schemas.openxmlformats.org/presentationml/2006/main">
   <p:cSld>
     <p:spTree>
       <p:nvGrpSpPr>
@@ -1065,7 +859,7 @@
         <p:nvSpPr>
           <p:cNvPr id="2" name="Slide Image Placeholder 1"/>
           <p:cNvSpPr>
-            <a:spLocks noGrp="1"/>
+            <a:spLocks noGrp="1" noRot="1" noChangeAspect="1"/>
           </p:cNvSpPr>
           <p:nvPr>
             <p:ph type="sldImg" idx="2"/>
@@ -1080,7 +874,7 @@
             <a:spLocks noGrp="1"/>
           </p:cNvSpPr>
           <p:nvPr>
-            <p:ph type="body" idx="3" sz="quarter"/>
+            <p:ph type="body" sz="quarter" idx="3"/>
           </p:nvPr>
         </p:nvSpPr>
         <p:spPr/>
@@ -1101,7 +895,7 @@
             <a:spLocks noGrp="1"/>
           </p:cNvSpPr>
           <p:nvPr>
-            <p:ph type="sldNum" idx="5" sz="quarter"/>
+            <p:ph type="sldNum" sz="quarter" idx="5"/>
           </p:nvPr>
         </p:nvSpPr>
         <p:spPr/>
@@ -1115,7 +909,7 @@
 </file>
 
 <file path=ppt/notesSlides/notesSlide18.xml><?xml version="1.0" encoding="utf-8"?>
-<p:notes xmlns:a="http://schemas.openxmlformats.org/drawingml/2006/main" xmlns:p="http://schemas.openxmlformats.org/presentationml/2006/main" xmlns:r="http://schemas.openxmlformats.org/officeDocument/2006/relationships">
+<p:notes xmlns:a="http://schemas.openxmlformats.org/drawingml/2006/main" xmlns:r="http://schemas.openxmlformats.org/officeDocument/2006/relationships" xmlns:p="http://schemas.openxmlformats.org/presentationml/2006/main">
   <p:cSld>
     <p:spTree>
       <p:nvGrpSpPr>
@@ -1135,7 +929,7 @@
         <p:nvSpPr>
           <p:cNvPr id="2" name="Slide Image Placeholder 1"/>
           <p:cNvSpPr>
-            <a:spLocks noGrp="1"/>
+            <a:spLocks noGrp="1" noRot="1" noChangeAspect="1"/>
           </p:cNvSpPr>
           <p:nvPr>
             <p:ph type="sldImg" idx="2"/>
@@ -1150,7 +944,7 @@
             <a:spLocks noGrp="1"/>
           </p:cNvSpPr>
           <p:nvPr>
-            <p:ph type="body" idx="3" sz="quarter"/>
+            <p:ph type="body" sz="quarter" idx="3"/>
           </p:nvPr>
         </p:nvSpPr>
         <p:spPr/>
@@ -1171,7 +965,7 @@
             <a:spLocks noGrp="1"/>
           </p:cNvSpPr>
           <p:nvPr>
-            <p:ph type="sldNum" idx="5" sz="quarter"/>
+            <p:ph type="sldNum" sz="quarter" idx="5"/>
           </p:nvPr>
         </p:nvSpPr>
         <p:spPr/>
@@ -1185,7 +979,7 @@
 </file>
 
 <file path=ppt/notesSlides/notesSlide19.xml><?xml version="1.0" encoding="utf-8"?>
-<p:notes xmlns:a="http://schemas.openxmlformats.org/drawingml/2006/main" xmlns:p="http://schemas.openxmlformats.org/presentationml/2006/main" xmlns:r="http://schemas.openxmlformats.org/officeDocument/2006/relationships">
+<p:notes xmlns:a="http://schemas.openxmlformats.org/drawingml/2006/main" xmlns:r="http://schemas.openxmlformats.org/officeDocument/2006/relationships" xmlns:p="http://schemas.openxmlformats.org/presentationml/2006/main">
   <p:cSld>
     <p:spTree>
       <p:nvGrpSpPr>
@@ -1205,7 +999,7 @@
         <p:nvSpPr>
           <p:cNvPr id="2" name="Slide Image Placeholder 1"/>
           <p:cNvSpPr>
-            <a:spLocks noGrp="1"/>
+            <a:spLocks noGrp="1" noRot="1" noChangeAspect="1"/>
           </p:cNvSpPr>
           <p:nvPr>
             <p:ph type="sldImg" idx="2"/>
@@ -1220,7 +1014,7 @@
             <a:spLocks noGrp="1"/>
           </p:cNvSpPr>
           <p:nvPr>
-            <p:ph type="body" idx="3" sz="quarter"/>
+            <p:ph type="body" sz="quarter" idx="3"/>
           </p:nvPr>
         </p:nvSpPr>
         <p:spPr/>
@@ -1241,7 +1035,7 @@
             <a:spLocks noGrp="1"/>
           </p:cNvSpPr>
           <p:nvPr>
-            <p:ph type="sldNum" idx="5" sz="quarter"/>
+            <p:ph type="sldNum" sz="quarter" idx="5"/>
           </p:nvPr>
         </p:nvSpPr>
         <p:spPr/>
@@ -1255,7 +1049,7 @@
 </file>
 
 <file path=ppt/notesSlides/notesSlide2.xml><?xml version="1.0" encoding="utf-8"?>
-<p:notes xmlns:a="http://schemas.openxmlformats.org/drawingml/2006/main" xmlns:p="http://schemas.openxmlformats.org/presentationml/2006/main" xmlns:r="http://schemas.openxmlformats.org/officeDocument/2006/relationships">
+<p:notes xmlns:a="http://schemas.openxmlformats.org/drawingml/2006/main" xmlns:r="http://schemas.openxmlformats.org/officeDocument/2006/relationships" xmlns:p="http://schemas.openxmlformats.org/presentationml/2006/main">
   <p:cSld>
     <p:spTree>
       <p:nvGrpSpPr>
@@ -1275,7 +1069,7 @@
         <p:nvSpPr>
           <p:cNvPr id="2" name="Slide Image Placeholder 1"/>
           <p:cNvSpPr>
-            <a:spLocks noGrp="1"/>
+            <a:spLocks noGrp="1" noRot="1" noChangeAspect="1"/>
           </p:cNvSpPr>
           <p:nvPr>
             <p:ph type="sldImg" idx="2"/>
@@ -1290,7 +1084,7 @@
             <a:spLocks noGrp="1"/>
           </p:cNvSpPr>
           <p:nvPr>
-            <p:ph type="body" idx="3" sz="quarter"/>
+            <p:ph type="body" sz="quarter" idx="3"/>
           </p:nvPr>
         </p:nvSpPr>
         <p:spPr/>
@@ -1311,7 +1105,7 @@
             <a:spLocks noGrp="1"/>
           </p:cNvSpPr>
           <p:nvPr>
-            <p:ph type="sldNum" idx="5" sz="quarter"/>
+            <p:ph type="sldNum" sz="quarter" idx="5"/>
           </p:nvPr>
         </p:nvSpPr>
         <p:spPr/>
@@ -1325,7 +1119,7 @@
 </file>
 
 <file path=ppt/notesSlides/notesSlide20.xml><?xml version="1.0" encoding="utf-8"?>
-<p:notes xmlns:a="http://schemas.openxmlformats.org/drawingml/2006/main" xmlns:p="http://schemas.openxmlformats.org/presentationml/2006/main" xmlns:r="http://schemas.openxmlformats.org/officeDocument/2006/relationships">
+<p:notes xmlns:a="http://schemas.openxmlformats.org/drawingml/2006/main" xmlns:r="http://schemas.openxmlformats.org/officeDocument/2006/relationships" xmlns:p="http://schemas.openxmlformats.org/presentationml/2006/main">
   <p:cSld>
     <p:spTree>
       <p:nvGrpSpPr>
@@ -1345,7 +1139,7 @@
         <p:nvSpPr>
           <p:cNvPr id="2" name="Slide Image Placeholder 1"/>
           <p:cNvSpPr>
-            <a:spLocks noGrp="1"/>
+            <a:spLocks noGrp="1" noRot="1" noChangeAspect="1"/>
           </p:cNvSpPr>
           <p:nvPr>
             <p:ph type="sldImg" idx="2"/>
@@ -1360,7 +1154,7 @@
             <a:spLocks noGrp="1"/>
           </p:cNvSpPr>
           <p:nvPr>
-            <p:ph type="body" idx="3" sz="quarter"/>
+            <p:ph type="body" sz="quarter" idx="3"/>
           </p:nvPr>
         </p:nvSpPr>
         <p:spPr/>
@@ -1381,7 +1175,7 @@
             <a:spLocks noGrp="1"/>
           </p:cNvSpPr>
           <p:nvPr>
-            <p:ph type="sldNum" idx="5" sz="quarter"/>
+            <p:ph type="sldNum" sz="quarter" idx="5"/>
           </p:nvPr>
         </p:nvSpPr>
         <p:spPr/>
@@ -1395,7 +1189,7 @@
 </file>
 
 <file path=ppt/notesSlides/notesSlide21.xml><?xml version="1.0" encoding="utf-8"?>
-<p:notes xmlns:a="http://schemas.openxmlformats.org/drawingml/2006/main" xmlns:p="http://schemas.openxmlformats.org/presentationml/2006/main" xmlns:r="http://schemas.openxmlformats.org/officeDocument/2006/relationships">
+<p:notes xmlns:a="http://schemas.openxmlformats.org/drawingml/2006/main" xmlns:r="http://schemas.openxmlformats.org/officeDocument/2006/relationships" xmlns:p="http://schemas.openxmlformats.org/presentationml/2006/main">
   <p:cSld>
     <p:spTree>
       <p:nvGrpSpPr>
@@ -1415,7 +1209,7 @@
         <p:nvSpPr>
           <p:cNvPr id="2" name="Slide Image Placeholder 1"/>
           <p:cNvSpPr>
-            <a:spLocks noGrp="1"/>
+            <a:spLocks noGrp="1" noRot="1" noChangeAspect="1"/>
           </p:cNvSpPr>
           <p:nvPr>
             <p:ph type="sldImg" idx="2"/>
@@ -1430,7 +1224,7 @@
             <a:spLocks noGrp="1"/>
           </p:cNvSpPr>
           <p:nvPr>
-            <p:ph type="body" idx="3" sz="quarter"/>
+            <p:ph type="body" sz="quarter" idx="3"/>
           </p:nvPr>
         </p:nvSpPr>
         <p:spPr/>
@@ -1451,7 +1245,7 @@
             <a:spLocks noGrp="1"/>
           </p:cNvSpPr>
           <p:nvPr>
-            <p:ph type="sldNum" idx="5" sz="quarter"/>
+            <p:ph type="sldNum" sz="quarter" idx="5"/>
           </p:nvPr>
         </p:nvSpPr>
         <p:spPr/>
@@ -1465,7 +1259,7 @@
 </file>
 
 <file path=ppt/notesSlides/notesSlide22.xml><?xml version="1.0" encoding="utf-8"?>
-<p:notes xmlns:a="http://schemas.openxmlformats.org/drawingml/2006/main" xmlns:p="http://schemas.openxmlformats.org/presentationml/2006/main" xmlns:r="http://schemas.openxmlformats.org/officeDocument/2006/relationships">
+<p:notes xmlns:a="http://schemas.openxmlformats.org/drawingml/2006/main" xmlns:r="http://schemas.openxmlformats.org/officeDocument/2006/relationships" xmlns:p="http://schemas.openxmlformats.org/presentationml/2006/main">
   <p:cSld>
     <p:spTree>
       <p:nvGrpSpPr>
@@ -1485,7 +1279,7 @@
         <p:nvSpPr>
           <p:cNvPr id="2" name="Slide Image Placeholder 1"/>
           <p:cNvSpPr>
-            <a:spLocks noGrp="1"/>
+            <a:spLocks noGrp="1" noRot="1" noChangeAspect="1"/>
           </p:cNvSpPr>
           <p:nvPr>
             <p:ph type="sldImg" idx="2"/>
@@ -1500,7 +1294,7 @@
             <a:spLocks noGrp="1"/>
           </p:cNvSpPr>
           <p:nvPr>
-            <p:ph type="body" idx="3" sz="quarter"/>
+            <p:ph type="body" sz="quarter" idx="3"/>
           </p:nvPr>
         </p:nvSpPr>
         <p:spPr/>
@@ -1521,7 +1315,7 @@
             <a:spLocks noGrp="1"/>
           </p:cNvSpPr>
           <p:nvPr>
-            <p:ph type="sldNum" idx="5" sz="quarter"/>
+            <p:ph type="sldNum" sz="quarter" idx="5"/>
           </p:nvPr>
         </p:nvSpPr>
         <p:spPr/>
@@ -1535,7 +1329,7 @@
 </file>
 
 <file path=ppt/notesSlides/notesSlide23.xml><?xml version="1.0" encoding="utf-8"?>
-<p:notes xmlns:a="http://schemas.openxmlformats.org/drawingml/2006/main" xmlns:p="http://schemas.openxmlformats.org/presentationml/2006/main" xmlns:r="http://schemas.openxmlformats.org/officeDocument/2006/relationships">
+<p:notes xmlns:a="http://schemas.openxmlformats.org/drawingml/2006/main" xmlns:r="http://schemas.openxmlformats.org/officeDocument/2006/relationships" xmlns:p="http://schemas.openxmlformats.org/presentationml/2006/main">
   <p:cSld>
     <p:spTree>
       <p:nvGrpSpPr>
@@ -1555,7 +1349,7 @@
         <p:nvSpPr>
           <p:cNvPr id="2" name="Slide Image Placeholder 1"/>
           <p:cNvSpPr>
-            <a:spLocks noGrp="1"/>
+            <a:spLocks noGrp="1" noRot="1" noChangeAspect="1"/>
           </p:cNvSpPr>
           <p:nvPr>
             <p:ph type="sldImg" idx="2"/>
@@ -1570,7 +1364,7 @@
             <a:spLocks noGrp="1"/>
           </p:cNvSpPr>
           <p:nvPr>
-            <p:ph type="body" idx="3" sz="quarter"/>
+            <p:ph type="body" sz="quarter" idx="3"/>
           </p:nvPr>
         </p:nvSpPr>
         <p:spPr/>
@@ -1591,7 +1385,7 @@
             <a:spLocks noGrp="1"/>
           </p:cNvSpPr>
           <p:nvPr>
-            <p:ph type="sldNum" idx="5" sz="quarter"/>
+            <p:ph type="sldNum" sz="quarter" idx="5"/>
           </p:nvPr>
         </p:nvSpPr>
         <p:spPr/>
@@ -1605,7 +1399,7 @@
 </file>
 
 <file path=ppt/notesSlides/notesSlide24.xml><?xml version="1.0" encoding="utf-8"?>
-<p:notes xmlns:a="http://schemas.openxmlformats.org/drawingml/2006/main" xmlns:p="http://schemas.openxmlformats.org/presentationml/2006/main" xmlns:r="http://schemas.openxmlformats.org/officeDocument/2006/relationships">
+<p:notes xmlns:a="http://schemas.openxmlformats.org/drawingml/2006/main" xmlns:r="http://schemas.openxmlformats.org/officeDocument/2006/relationships" xmlns:p="http://schemas.openxmlformats.org/presentationml/2006/main">
   <p:cSld>
     <p:spTree>
       <p:nvGrpSpPr>
@@ -1625,7 +1419,7 @@
         <p:nvSpPr>
           <p:cNvPr id="2" name="Slide Image Placeholder 1"/>
           <p:cNvSpPr>
-            <a:spLocks noGrp="1"/>
+            <a:spLocks noGrp="1" noRot="1" noChangeAspect="1"/>
           </p:cNvSpPr>
           <p:nvPr>
             <p:ph type="sldImg" idx="2"/>
@@ -1640,7 +1434,7 @@
             <a:spLocks noGrp="1"/>
           </p:cNvSpPr>
           <p:nvPr>
-            <p:ph type="body" idx="3" sz="quarter"/>
+            <p:ph type="body" sz="quarter" idx="3"/>
           </p:nvPr>
         </p:nvSpPr>
         <p:spPr/>
@@ -1661,7 +1455,7 @@
             <a:spLocks noGrp="1"/>
           </p:cNvSpPr>
           <p:nvPr>
-            <p:ph type="sldNum" idx="5" sz="quarter"/>
+            <p:ph type="sldNum" sz="quarter" idx="5"/>
           </p:nvPr>
         </p:nvSpPr>
         <p:spPr/>
@@ -1675,7 +1469,7 @@
 </file>
 
 <file path=ppt/notesSlides/notesSlide3.xml><?xml version="1.0" encoding="utf-8"?>
-<p:notes xmlns:a="http://schemas.openxmlformats.org/drawingml/2006/main" xmlns:p="http://schemas.openxmlformats.org/presentationml/2006/main" xmlns:r="http://schemas.openxmlformats.org/officeDocument/2006/relationships">
+<p:notes xmlns:a="http://schemas.openxmlformats.org/drawingml/2006/main" xmlns:r="http://schemas.openxmlformats.org/officeDocument/2006/relationships" xmlns:p="http://schemas.openxmlformats.org/presentationml/2006/main">
   <p:cSld>
     <p:spTree>
       <p:nvGrpSpPr>
@@ -1695,7 +1489,7 @@
         <p:nvSpPr>
           <p:cNvPr id="2" name="Slide Image Placeholder 1"/>
           <p:cNvSpPr>
-            <a:spLocks noGrp="1"/>
+            <a:spLocks noGrp="1" noRot="1" noChangeAspect="1"/>
           </p:cNvSpPr>
           <p:nvPr>
             <p:ph type="sldImg" idx="2"/>
@@ -1710,7 +1504,7 @@
             <a:spLocks noGrp="1"/>
           </p:cNvSpPr>
           <p:nvPr>
-            <p:ph type="body" idx="3" sz="quarter"/>
+            <p:ph type="body" sz="quarter" idx="3"/>
           </p:nvPr>
         </p:nvSpPr>
         <p:spPr/>
@@ -1731,7 +1525,7 @@
             <a:spLocks noGrp="1"/>
           </p:cNvSpPr>
           <p:nvPr>
-            <p:ph type="sldNum" idx="5" sz="quarter"/>
+            <p:ph type="sldNum" sz="quarter" idx="5"/>
           </p:nvPr>
         </p:nvSpPr>
         <p:spPr/>
@@ -1745,7 +1539,7 @@
 </file>
 
 <file path=ppt/notesSlides/notesSlide4.xml><?xml version="1.0" encoding="utf-8"?>
-<p:notes xmlns:a="http://schemas.openxmlformats.org/drawingml/2006/main" xmlns:p="http://schemas.openxmlformats.org/presentationml/2006/main" xmlns:r="http://schemas.openxmlformats.org/officeDocument/2006/relationships">
+<p:notes xmlns:a="http://schemas.openxmlformats.org/drawingml/2006/main" xmlns:r="http://schemas.openxmlformats.org/officeDocument/2006/relationships" xmlns:p="http://schemas.openxmlformats.org/presentationml/2006/main">
   <p:cSld>
     <p:spTree>
       <p:nvGrpSpPr>
@@ -1765,7 +1559,7 @@
         <p:nvSpPr>
           <p:cNvPr id="2" name="Slide Image Placeholder 1"/>
           <p:cNvSpPr>
-            <a:spLocks noGrp="1"/>
+            <a:spLocks noGrp="1" noRot="1" noChangeAspect="1"/>
           </p:cNvSpPr>
           <p:nvPr>
             <p:ph type="sldImg" idx="2"/>
@@ -1780,7 +1574,7 @@
             <a:spLocks noGrp="1"/>
           </p:cNvSpPr>
           <p:nvPr>
-            <p:ph type="body" idx="3" sz="quarter"/>
+            <p:ph type="body" sz="quarter" idx="3"/>
           </p:nvPr>
         </p:nvSpPr>
         <p:spPr/>
@@ -1801,7 +1595,7 @@
             <a:spLocks noGrp="1"/>
           </p:cNvSpPr>
           <p:nvPr>
-            <p:ph type="sldNum" idx="5" sz="quarter"/>
+            <p:ph type="sldNum" sz="quarter" idx="5"/>
           </p:nvPr>
         </p:nvSpPr>
         <p:spPr/>
@@ -1815,7 +1609,7 @@
 </file>
 
 <file path=ppt/notesSlides/notesSlide5.xml><?xml version="1.0" encoding="utf-8"?>
-<p:notes xmlns:a="http://schemas.openxmlformats.org/drawingml/2006/main" xmlns:p="http://schemas.openxmlformats.org/presentationml/2006/main" xmlns:r="http://schemas.openxmlformats.org/officeDocument/2006/relationships">
+<p:notes xmlns:a="http://schemas.openxmlformats.org/drawingml/2006/main" xmlns:r="http://schemas.openxmlformats.org/officeDocument/2006/relationships" xmlns:p="http://schemas.openxmlformats.org/presentationml/2006/main">
   <p:cSld>
     <p:spTree>
       <p:nvGrpSpPr>
@@ -1835,7 +1629,7 @@
         <p:nvSpPr>
           <p:cNvPr id="2" name="Slide Image Placeholder 1"/>
           <p:cNvSpPr>
-            <a:spLocks noGrp="1"/>
+            <a:spLocks noGrp="1" noRot="1" noChangeAspect="1"/>
           </p:cNvSpPr>
           <p:nvPr>
             <p:ph type="sldImg" idx="2"/>
@@ -1850,7 +1644,7 @@
             <a:spLocks noGrp="1"/>
           </p:cNvSpPr>
           <p:nvPr>
-            <p:ph type="body" idx="3" sz="quarter"/>
+            <p:ph type="body" sz="quarter" idx="3"/>
           </p:nvPr>
         </p:nvSpPr>
         <p:spPr/>
@@ -1871,7 +1665,7 @@
             <a:spLocks noGrp="1"/>
           </p:cNvSpPr>
           <p:nvPr>
-            <p:ph type="sldNum" idx="5" sz="quarter"/>
+            <p:ph type="sldNum" sz="quarter" idx="5"/>
           </p:nvPr>
         </p:nvSpPr>
         <p:spPr/>
@@ -1885,7 +1679,7 @@
 </file>
 
 <file path=ppt/notesSlides/notesSlide6.xml><?xml version="1.0" encoding="utf-8"?>
-<p:notes xmlns:a="http://schemas.openxmlformats.org/drawingml/2006/main" xmlns:p="http://schemas.openxmlformats.org/presentationml/2006/main" xmlns:r="http://schemas.openxmlformats.org/officeDocument/2006/relationships">
+<p:notes xmlns:a="http://schemas.openxmlformats.org/drawingml/2006/main" xmlns:r="http://schemas.openxmlformats.org/officeDocument/2006/relationships" xmlns:p="http://schemas.openxmlformats.org/presentationml/2006/main">
   <p:cSld>
     <p:spTree>
       <p:nvGrpSpPr>
@@ -1905,7 +1699,7 @@
         <p:nvSpPr>
           <p:cNvPr id="2" name="Slide Image Placeholder 1"/>
           <p:cNvSpPr>
-            <a:spLocks noGrp="1"/>
+            <a:spLocks noGrp="1" noRot="1" noChangeAspect="1"/>
           </p:cNvSpPr>
           <p:nvPr>
             <p:ph type="sldImg" idx="2"/>
@@ -1920,7 +1714,7 @@
             <a:spLocks noGrp="1"/>
           </p:cNvSpPr>
           <p:nvPr>
-            <p:ph type="body" idx="3" sz="quarter"/>
+            <p:ph type="body" sz="quarter" idx="3"/>
           </p:nvPr>
         </p:nvSpPr>
         <p:spPr/>
@@ -1941,7 +1735,7 @@
             <a:spLocks noGrp="1"/>
           </p:cNvSpPr>
           <p:nvPr>
-            <p:ph type="sldNum" idx="5" sz="quarter"/>
+            <p:ph type="sldNum" sz="quarter" idx="5"/>
           </p:nvPr>
         </p:nvSpPr>
         <p:spPr/>
@@ -1955,7 +1749,7 @@
 </file>
 
 <file path=ppt/notesSlides/notesSlide7.xml><?xml version="1.0" encoding="utf-8"?>
-<p:notes xmlns:a="http://schemas.openxmlformats.org/drawingml/2006/main" xmlns:p="http://schemas.openxmlformats.org/presentationml/2006/main" xmlns:r="http://schemas.openxmlformats.org/officeDocument/2006/relationships">
+<p:notes xmlns:a="http://schemas.openxmlformats.org/drawingml/2006/main" xmlns:r="http://schemas.openxmlformats.org/officeDocument/2006/relationships" xmlns:p="http://schemas.openxmlformats.org/presentationml/2006/main">
   <p:cSld>
     <p:spTree>
       <p:nvGrpSpPr>
@@ -1975,7 +1769,7 @@
         <p:nvSpPr>
           <p:cNvPr id="2" name="Slide Image Placeholder 1"/>
           <p:cNvSpPr>
-            <a:spLocks noGrp="1"/>
+            <a:spLocks noGrp="1" noRot="1" noChangeAspect="1"/>
           </p:cNvSpPr>
           <p:nvPr>
             <p:ph type="sldImg" idx="2"/>
@@ -1990,7 +1784,7 @@
             <a:spLocks noGrp="1"/>
           </p:cNvSpPr>
           <p:nvPr>
-            <p:ph type="body" idx="3" sz="quarter"/>
+            <p:ph type="body" sz="quarter" idx="3"/>
           </p:nvPr>
         </p:nvSpPr>
         <p:spPr/>
@@ -2011,7 +1805,7 @@
             <a:spLocks noGrp="1"/>
           </p:cNvSpPr>
           <p:nvPr>
-            <p:ph type="sldNum" idx="5" sz="quarter"/>
+            <p:ph type="sldNum" sz="quarter" idx="5"/>
           </p:nvPr>
         </p:nvSpPr>
         <p:spPr/>
@@ -2025,7 +1819,7 @@
 </file>
 
 <file path=ppt/notesSlides/notesSlide8.xml><?xml version="1.0" encoding="utf-8"?>
-<p:notes xmlns:a="http://schemas.openxmlformats.org/drawingml/2006/main" xmlns:p="http://schemas.openxmlformats.org/presentationml/2006/main" xmlns:r="http://schemas.openxmlformats.org/officeDocument/2006/relationships">
+<p:notes xmlns:a="http://schemas.openxmlformats.org/drawingml/2006/main" xmlns:r="http://schemas.openxmlformats.org/officeDocument/2006/relationships" xmlns:p="http://schemas.openxmlformats.org/presentationml/2006/main">
   <p:cSld>
     <p:spTree>
       <p:nvGrpSpPr>
@@ -2045,7 +1839,7 @@
         <p:nvSpPr>
           <p:cNvPr id="2" name="Slide Image Placeholder 1"/>
           <p:cNvSpPr>
-            <a:spLocks noGrp="1"/>
+            <a:spLocks noGrp="1" noRot="1" noChangeAspect="1"/>
           </p:cNvSpPr>
           <p:nvPr>
             <p:ph type="sldImg" idx="2"/>
@@ -2060,7 +1854,7 @@
             <a:spLocks noGrp="1"/>
           </p:cNvSpPr>
           <p:nvPr>
-            <p:ph type="body" idx="3" sz="quarter"/>
+            <p:ph type="body" sz="quarter" idx="3"/>
           </p:nvPr>
         </p:nvSpPr>
         <p:spPr/>
@@ -2081,7 +1875,7 @@
             <a:spLocks noGrp="1"/>
           </p:cNvSpPr>
           <p:nvPr>
-            <p:ph type="sldNum" idx="5" sz="quarter"/>
+            <p:ph type="sldNum" sz="quarter" idx="5"/>
           </p:nvPr>
         </p:nvSpPr>
         <p:spPr/>
@@ -2095,7 +1889,7 @@
 </file>
 
 <file path=ppt/notesSlides/notesSlide9.xml><?xml version="1.0" encoding="utf-8"?>
-<p:notes xmlns:a="http://schemas.openxmlformats.org/drawingml/2006/main" xmlns:p="http://schemas.openxmlformats.org/presentationml/2006/main" xmlns:r="http://schemas.openxmlformats.org/officeDocument/2006/relationships">
+<p:notes xmlns:a="http://schemas.openxmlformats.org/drawingml/2006/main" xmlns:r="http://schemas.openxmlformats.org/officeDocument/2006/relationships" xmlns:p="http://schemas.openxmlformats.org/presentationml/2006/main">
   <p:cSld>
     <p:spTree>
       <p:nvGrpSpPr>
@@ -2115,7 +1909,7 @@
         <p:nvSpPr>
           <p:cNvPr id="2" name="Slide Image Placeholder 1"/>
           <p:cNvSpPr>
-            <a:spLocks noGrp="1"/>
+            <a:spLocks noGrp="1" noRot="1" noChangeAspect="1"/>
           </p:cNvSpPr>
           <p:nvPr>
             <p:ph type="sldImg" idx="2"/>
@@ -2130,7 +1924,7 @@
             <a:spLocks noGrp="1"/>
           </p:cNvSpPr>
           <p:nvPr>
-            <p:ph type="body" idx="3" sz="quarter"/>
+            <p:ph type="body" sz="quarter" idx="3"/>
           </p:nvPr>
         </p:nvSpPr>
         <p:spPr/>
@@ -2151,7 +1945,7 @@
             <a:spLocks noGrp="1"/>
           </p:cNvSpPr>
           <p:nvPr>
-            <p:ph type="sldNum" idx="5" sz="quarter"/>
+            <p:ph type="sldNum" sz="quarter" idx="5"/>
           </p:nvPr>
         </p:nvSpPr>
         <p:spPr/>
@@ -2202,10 +1996,9 @@
           <a:lstStyle/>
           <a:p>
             <a:r>
-              <a:rPr lang="en-US" smtClean="0"/>
+              <a:rPr lang="en-US"/>
               <a:t>Click to edit Master title style</a:t>
             </a:r>
-            <a:endParaRPr lang="en-US"/>
           </a:p>
         </p:txBody>
       </p:sp>
@@ -2321,10 +2114,9 @@
           </a:lstStyle>
           <a:p>
             <a:r>
-              <a:rPr lang="en-US" smtClean="0"/>
+              <a:rPr lang="en-US"/>
               <a:t>Click to edit Master subtitle style</a:t>
             </a:r>
-            <a:endParaRPr lang="en-US"/>
           </a:p>
         </p:txBody>
       </p:sp>
@@ -2345,7 +2137,7 @@
           <a:p>
             <a:fld id="{5BCAD085-E8A6-8845-BD4E-CB4CCA059FC4}" type="datetimeFigureOut">
               <a:rPr lang="en-US" smtClean="0"/>
-              <a:t>1/27/13</a:t>
+              <a:t>2/10/2026</a:t>
             </a:fld>
             <a:endParaRPr lang="en-US"/>
           </a:p>
@@ -2439,10 +2231,9 @@
           <a:lstStyle/>
           <a:p>
             <a:r>
-              <a:rPr lang="en-US" smtClean="0"/>
+              <a:rPr lang="en-US"/>
               <a:t>Click to edit Master title style</a:t>
             </a:r>
-            <a:endParaRPr lang="en-US"/>
           </a:p>
         </p:txBody>
       </p:sp>
@@ -2463,38 +2254,37 @@
           <a:p>
             <a:pPr lvl="0"/>
             <a:r>
-              <a:rPr lang="en-US" smtClean="0"/>
+              <a:rPr lang="en-US"/>
               <a:t>Click to edit Master text styles</a:t>
             </a:r>
           </a:p>
           <a:p>
             <a:pPr lvl="1"/>
             <a:r>
-              <a:rPr lang="en-US" smtClean="0"/>
+              <a:rPr lang="en-US"/>
               <a:t>Second level</a:t>
             </a:r>
           </a:p>
           <a:p>
             <a:pPr lvl="2"/>
             <a:r>
-              <a:rPr lang="en-US" smtClean="0"/>
+              <a:rPr lang="en-US"/>
               <a:t>Third level</a:t>
             </a:r>
           </a:p>
           <a:p>
             <a:pPr lvl="3"/>
             <a:r>
-              <a:rPr lang="en-US" smtClean="0"/>
+              <a:rPr lang="en-US"/>
               <a:t>Fourth level</a:t>
             </a:r>
           </a:p>
           <a:p>
             <a:pPr lvl="4"/>
             <a:r>
-              <a:rPr lang="en-US" smtClean="0"/>
+              <a:rPr lang="en-US"/>
               <a:t>Fifth level</a:t>
             </a:r>
-            <a:endParaRPr lang="en-US"/>
           </a:p>
         </p:txBody>
       </p:sp>
@@ -2515,7 +2305,7 @@
           <a:p>
             <a:fld id="{5BCAD085-E8A6-8845-BD4E-CB4CCA059FC4}" type="datetimeFigureOut">
               <a:rPr lang="en-US" smtClean="0"/>
-              <a:t>1/27/13</a:t>
+              <a:t>2/10/2026</a:t>
             </a:fld>
             <a:endParaRPr lang="en-US"/>
           </a:p>
@@ -2614,10 +2404,9 @@
           <a:lstStyle/>
           <a:p>
             <a:r>
-              <a:rPr lang="en-US" smtClean="0"/>
+              <a:rPr lang="en-US"/>
               <a:t>Click to edit Master title style</a:t>
             </a:r>
-            <a:endParaRPr lang="en-US"/>
           </a:p>
         </p:txBody>
       </p:sp>
@@ -2643,38 +2432,37 @@
           <a:p>
             <a:pPr lvl="0"/>
             <a:r>
-              <a:rPr lang="en-US" smtClean="0"/>
+              <a:rPr lang="en-US"/>
               <a:t>Click to edit Master text styles</a:t>
             </a:r>
           </a:p>
           <a:p>
             <a:pPr lvl="1"/>
             <a:r>
-              <a:rPr lang="en-US" smtClean="0"/>
+              <a:rPr lang="en-US"/>
               <a:t>Second level</a:t>
             </a:r>
           </a:p>
           <a:p>
             <a:pPr lvl="2"/>
             <a:r>
-              <a:rPr lang="en-US" smtClean="0"/>
+              <a:rPr lang="en-US"/>
               <a:t>Third level</a:t>
             </a:r>
           </a:p>
           <a:p>
             <a:pPr lvl="3"/>
             <a:r>
-              <a:rPr lang="en-US" smtClean="0"/>
+              <a:rPr lang="en-US"/>
               <a:t>Fourth level</a:t>
             </a:r>
           </a:p>
           <a:p>
             <a:pPr lvl="4"/>
             <a:r>
-              <a:rPr lang="en-US" smtClean="0"/>
+              <a:rPr lang="en-US"/>
               <a:t>Fifth level</a:t>
             </a:r>
-            <a:endParaRPr lang="en-US"/>
           </a:p>
         </p:txBody>
       </p:sp>
@@ -2695,7 +2483,7 @@
           <a:p>
             <a:fld id="{5BCAD085-E8A6-8845-BD4E-CB4CCA059FC4}" type="datetimeFigureOut">
               <a:rPr lang="en-US" smtClean="0"/>
-              <a:t>1/27/13</a:t>
+              <a:t>2/10/2026</a:t>
             </a:fld>
             <a:endParaRPr lang="en-US"/>
           </a:p>
@@ -2789,10 +2577,9 @@
           <a:lstStyle/>
           <a:p>
             <a:r>
-              <a:rPr lang="en-US" smtClean="0"/>
+              <a:rPr lang="en-US"/>
               <a:t>Click to edit Master title style</a:t>
             </a:r>
-            <a:endParaRPr lang="en-US"/>
           </a:p>
         </p:txBody>
       </p:sp>
@@ -2813,38 +2600,37 @@
           <a:p>
             <a:pPr lvl="0"/>
             <a:r>
-              <a:rPr lang="en-US" smtClean="0"/>
+              <a:rPr lang="en-US"/>
               <a:t>Click to edit Master text styles</a:t>
             </a:r>
           </a:p>
           <a:p>
             <a:pPr lvl="1"/>
             <a:r>
-              <a:rPr lang="en-US" smtClean="0"/>
+              <a:rPr lang="en-US"/>
               <a:t>Second level</a:t>
             </a:r>
           </a:p>
           <a:p>
             <a:pPr lvl="2"/>
             <a:r>
-              <a:rPr lang="en-US" smtClean="0"/>
+              <a:rPr lang="en-US"/>
               <a:t>Third level</a:t>
             </a:r>
           </a:p>
           <a:p>
             <a:pPr lvl="3"/>
             <a:r>
-              <a:rPr lang="en-US" smtClean="0"/>
+              <a:rPr lang="en-US"/>
               <a:t>Fourth level</a:t>
             </a:r>
           </a:p>
           <a:p>
             <a:pPr lvl="4"/>
             <a:r>
-              <a:rPr lang="en-US" smtClean="0"/>
+              <a:rPr lang="en-US"/>
               <a:t>Fifth level</a:t>
             </a:r>
-            <a:endParaRPr lang="en-US"/>
           </a:p>
         </p:txBody>
       </p:sp>
@@ -2865,7 +2651,7 @@
           <a:p>
             <a:fld id="{5BCAD085-E8A6-8845-BD4E-CB4CCA059FC4}" type="datetimeFigureOut">
               <a:rPr lang="en-US" smtClean="0"/>
-              <a:t>1/27/13</a:t>
+              <a:t>2/10/2026</a:t>
             </a:fld>
             <a:endParaRPr lang="en-US"/>
           </a:p>
@@ -2968,10 +2754,9 @@
           </a:lstStyle>
           <a:p>
             <a:r>
-              <a:rPr lang="en-US" smtClean="0"/>
+              <a:rPr lang="en-US"/>
               <a:t>Click to edit Master title style</a:t>
             </a:r>
-            <a:endParaRPr lang="en-US"/>
           </a:p>
         </p:txBody>
       </p:sp>
@@ -3088,7 +2873,7 @@
           <a:p>
             <a:pPr lvl="0"/>
             <a:r>
-              <a:rPr lang="en-US" smtClean="0"/>
+              <a:rPr lang="en-US"/>
               <a:t>Click to edit Master text styles</a:t>
             </a:r>
           </a:p>
@@ -3111,7 +2896,7 @@
           <a:p>
             <a:fld id="{5BCAD085-E8A6-8845-BD4E-CB4CCA059FC4}" type="datetimeFigureOut">
               <a:rPr lang="en-US" smtClean="0"/>
-              <a:t>1/27/13</a:t>
+              <a:t>2/10/2026</a:t>
             </a:fld>
             <a:endParaRPr lang="en-US"/>
           </a:p>
@@ -3205,10 +2990,9 @@
           <a:lstStyle/>
           <a:p>
             <a:r>
-              <a:rPr lang="en-US" smtClean="0"/>
+              <a:rPr lang="en-US"/>
               <a:t>Click to edit Master title style</a:t>
             </a:r>
-            <a:endParaRPr lang="en-US"/>
           </a:p>
         </p:txBody>
       </p:sp>
@@ -3262,38 +3046,37 @@
           <a:p>
             <a:pPr lvl="0"/>
             <a:r>
-              <a:rPr lang="en-US" smtClean="0"/>
+              <a:rPr lang="en-US"/>
               <a:t>Click to edit Master text styles</a:t>
             </a:r>
           </a:p>
           <a:p>
             <a:pPr lvl="1"/>
             <a:r>
-              <a:rPr lang="en-US" smtClean="0"/>
+              <a:rPr lang="en-US"/>
               <a:t>Second level</a:t>
             </a:r>
           </a:p>
           <a:p>
             <a:pPr lvl="2"/>
             <a:r>
-              <a:rPr lang="en-US" smtClean="0"/>
+              <a:rPr lang="en-US"/>
               <a:t>Third level</a:t>
             </a:r>
           </a:p>
           <a:p>
             <a:pPr lvl="3"/>
             <a:r>
-              <a:rPr lang="en-US" smtClean="0"/>
+              <a:rPr lang="en-US"/>
               <a:t>Fourth level</a:t>
             </a:r>
           </a:p>
           <a:p>
             <a:pPr lvl="4"/>
             <a:r>
-              <a:rPr lang="en-US" smtClean="0"/>
+              <a:rPr lang="en-US"/>
               <a:t>Fifth level</a:t>
             </a:r>
-            <a:endParaRPr lang="en-US"/>
           </a:p>
         </p:txBody>
       </p:sp>
@@ -3347,38 +3130,37 @@
           <a:p>
             <a:pPr lvl="0"/>
             <a:r>
-              <a:rPr lang="en-US" smtClean="0"/>
+              <a:rPr lang="en-US"/>
               <a:t>Click to edit Master text styles</a:t>
             </a:r>
           </a:p>
           <a:p>
             <a:pPr lvl="1"/>
             <a:r>
-              <a:rPr lang="en-US" smtClean="0"/>
+              <a:rPr lang="en-US"/>
               <a:t>Second level</a:t>
             </a:r>
           </a:p>
           <a:p>
             <a:pPr lvl="2"/>
             <a:r>
-              <a:rPr lang="en-US" smtClean="0"/>
+              <a:rPr lang="en-US"/>
               <a:t>Third level</a:t>
             </a:r>
           </a:p>
           <a:p>
             <a:pPr lvl="3"/>
             <a:r>
-              <a:rPr lang="en-US" smtClean="0"/>
+              <a:rPr lang="en-US"/>
               <a:t>Fourth level</a:t>
             </a:r>
           </a:p>
           <a:p>
             <a:pPr lvl="4"/>
             <a:r>
-              <a:rPr lang="en-US" smtClean="0"/>
+              <a:rPr lang="en-US"/>
               <a:t>Fifth level</a:t>
             </a:r>
-            <a:endParaRPr lang="en-US"/>
           </a:p>
         </p:txBody>
       </p:sp>
@@ -3399,7 +3181,7 @@
           <a:p>
             <a:fld id="{5BCAD085-E8A6-8845-BD4E-CB4CCA059FC4}" type="datetimeFigureOut">
               <a:rPr lang="en-US" smtClean="0"/>
-              <a:t>1/27/13</a:t>
+              <a:t>2/10/2026</a:t>
             </a:fld>
             <a:endParaRPr lang="en-US"/>
           </a:p>
@@ -3497,10 +3279,9 @@
           </a:lstStyle>
           <a:p>
             <a:r>
-              <a:rPr lang="en-US" smtClean="0"/>
+              <a:rPr lang="en-US"/>
               <a:t>Click to edit Master title style</a:t>
             </a:r>
-            <a:endParaRPr lang="en-US"/>
           </a:p>
         </p:txBody>
       </p:sp>
@@ -3563,7 +3344,7 @@
           <a:p>
             <a:pPr lvl="0"/>
             <a:r>
-              <a:rPr lang="en-US" smtClean="0"/>
+              <a:rPr lang="en-US"/>
               <a:t>Click to edit Master text styles</a:t>
             </a:r>
           </a:p>
@@ -3619,38 +3400,37 @@
           <a:p>
             <a:pPr lvl="0"/>
             <a:r>
-              <a:rPr lang="en-US" smtClean="0"/>
+              <a:rPr lang="en-US"/>
               <a:t>Click to edit Master text styles</a:t>
             </a:r>
           </a:p>
           <a:p>
             <a:pPr lvl="1"/>
             <a:r>
-              <a:rPr lang="en-US" smtClean="0"/>
+              <a:rPr lang="en-US"/>
               <a:t>Second level</a:t>
             </a:r>
           </a:p>
           <a:p>
             <a:pPr lvl="2"/>
             <a:r>
-              <a:rPr lang="en-US" smtClean="0"/>
+              <a:rPr lang="en-US"/>
               <a:t>Third level</a:t>
             </a:r>
           </a:p>
           <a:p>
             <a:pPr lvl="3"/>
             <a:r>
-              <a:rPr lang="en-US" smtClean="0"/>
+              <a:rPr lang="en-US"/>
               <a:t>Fourth level</a:t>
             </a:r>
           </a:p>
           <a:p>
             <a:pPr lvl="4"/>
             <a:r>
-              <a:rPr lang="en-US" smtClean="0"/>
+              <a:rPr lang="en-US"/>
               <a:t>Fifth level</a:t>
             </a:r>
-            <a:endParaRPr lang="en-US"/>
           </a:p>
         </p:txBody>
       </p:sp>
@@ -3713,7 +3493,7 @@
           <a:p>
             <a:pPr lvl="0"/>
             <a:r>
-              <a:rPr lang="en-US" smtClean="0"/>
+              <a:rPr lang="en-US"/>
               <a:t>Click to edit Master text styles</a:t>
             </a:r>
           </a:p>
@@ -3769,38 +3549,37 @@
           <a:p>
             <a:pPr lvl="0"/>
             <a:r>
-              <a:rPr lang="en-US" smtClean="0"/>
+              <a:rPr lang="en-US"/>
               <a:t>Click to edit Master text styles</a:t>
             </a:r>
           </a:p>
           <a:p>
             <a:pPr lvl="1"/>
             <a:r>
-              <a:rPr lang="en-US" smtClean="0"/>
+              <a:rPr lang="en-US"/>
               <a:t>Second level</a:t>
             </a:r>
           </a:p>
           <a:p>
             <a:pPr lvl="2"/>
             <a:r>
-              <a:rPr lang="en-US" smtClean="0"/>
+              <a:rPr lang="en-US"/>
               <a:t>Third level</a:t>
             </a:r>
           </a:p>
           <a:p>
             <a:pPr lvl="3"/>
             <a:r>
-              <a:rPr lang="en-US" smtClean="0"/>
+              <a:rPr lang="en-US"/>
               <a:t>Fourth level</a:t>
             </a:r>
           </a:p>
           <a:p>
             <a:pPr lvl="4"/>
             <a:r>
-              <a:rPr lang="en-US" smtClean="0"/>
+              <a:rPr lang="en-US"/>
               <a:t>Fifth level</a:t>
             </a:r>
-            <a:endParaRPr lang="en-US"/>
           </a:p>
         </p:txBody>
       </p:sp>
@@ -3821,7 +3600,7 @@
           <a:p>
             <a:fld id="{5BCAD085-E8A6-8845-BD4E-CB4CCA059FC4}" type="datetimeFigureOut">
               <a:rPr lang="en-US" smtClean="0"/>
-              <a:t>1/27/13</a:t>
+              <a:t>2/10/2026</a:t>
             </a:fld>
             <a:endParaRPr lang="en-US"/>
           </a:p>
@@ -3915,10 +3694,9 @@
           <a:lstStyle/>
           <a:p>
             <a:r>
-              <a:rPr lang="en-US" smtClean="0"/>
+              <a:rPr lang="en-US"/>
               <a:t>Click to edit Master title style</a:t>
             </a:r>
-            <a:endParaRPr lang="en-US"/>
           </a:p>
         </p:txBody>
       </p:sp>
@@ -3939,7 +3717,7 @@
           <a:p>
             <a:fld id="{5BCAD085-E8A6-8845-BD4E-CB4CCA059FC4}" type="datetimeFigureOut">
               <a:rPr lang="en-US" smtClean="0"/>
-              <a:t>1/27/13</a:t>
+              <a:t>2/10/2026</a:t>
             </a:fld>
             <a:endParaRPr lang="en-US"/>
           </a:p>
@@ -4034,7 +3812,7 @@
           <a:p>
             <a:fld id="{5BCAD085-E8A6-8845-BD4E-CB4CCA059FC4}" type="datetimeFigureOut">
               <a:rPr lang="en-US" smtClean="0"/>
-              <a:t>1/27/13</a:t>
+              <a:t>2/10/2026</a:t>
             </a:fld>
             <a:endParaRPr lang="en-US"/>
           </a:p>
@@ -4137,10 +3915,9 @@
           </a:lstStyle>
           <a:p>
             <a:r>
-              <a:rPr lang="en-US" smtClean="0"/>
+              <a:rPr lang="en-US"/>
               <a:t>Click to edit Master title style</a:t>
             </a:r>
-            <a:endParaRPr lang="en-US"/>
           </a:p>
         </p:txBody>
       </p:sp>
@@ -4194,38 +3971,37 @@
           <a:p>
             <a:pPr lvl="0"/>
             <a:r>
-              <a:rPr lang="en-US" smtClean="0"/>
+              <a:rPr lang="en-US"/>
               <a:t>Click to edit Master text styles</a:t>
             </a:r>
           </a:p>
           <a:p>
             <a:pPr lvl="1"/>
             <a:r>
-              <a:rPr lang="en-US" smtClean="0"/>
+              <a:rPr lang="en-US"/>
               <a:t>Second level</a:t>
             </a:r>
           </a:p>
           <a:p>
             <a:pPr lvl="2"/>
             <a:r>
-              <a:rPr lang="en-US" smtClean="0"/>
+              <a:rPr lang="en-US"/>
               <a:t>Third level</a:t>
             </a:r>
           </a:p>
           <a:p>
             <a:pPr lvl="3"/>
             <a:r>
-              <a:rPr lang="en-US" smtClean="0"/>
+              <a:rPr lang="en-US"/>
               <a:t>Fourth level</a:t>
             </a:r>
           </a:p>
           <a:p>
             <a:pPr lvl="4"/>
             <a:r>
-              <a:rPr lang="en-US" smtClean="0"/>
+              <a:rPr lang="en-US"/>
               <a:t>Fifth level</a:t>
             </a:r>
-            <a:endParaRPr lang="en-US"/>
           </a:p>
         </p:txBody>
       </p:sp>
@@ -4288,7 +4064,7 @@
           <a:p>
             <a:pPr lvl="0"/>
             <a:r>
-              <a:rPr lang="en-US" smtClean="0"/>
+              <a:rPr lang="en-US"/>
               <a:t>Click to edit Master text styles</a:t>
             </a:r>
           </a:p>
@@ -4311,7 +4087,7 @@
           <a:p>
             <a:fld id="{5BCAD085-E8A6-8845-BD4E-CB4CCA059FC4}" type="datetimeFigureOut">
               <a:rPr lang="en-US" smtClean="0"/>
-              <a:t>1/27/13</a:t>
+              <a:t>2/10/2026</a:t>
             </a:fld>
             <a:endParaRPr lang="en-US"/>
           </a:p>
@@ -4414,10 +4190,9 @@
           </a:lstStyle>
           <a:p>
             <a:r>
-              <a:rPr lang="en-US" smtClean="0"/>
+              <a:rPr lang="en-US"/>
               <a:t>Click to edit Master title style</a:t>
             </a:r>
-            <a:endParaRPr lang="en-US"/>
           </a:p>
         </p:txBody>
       </p:sp>
@@ -4541,7 +4316,7 @@
           <a:p>
             <a:pPr lvl="0"/>
             <a:r>
-              <a:rPr lang="en-US" smtClean="0"/>
+              <a:rPr lang="en-US"/>
               <a:t>Click to edit Master text styles</a:t>
             </a:r>
           </a:p>
@@ -4564,7 +4339,7 @@
           <a:p>
             <a:fld id="{5BCAD085-E8A6-8845-BD4E-CB4CCA059FC4}" type="datetimeFigureOut">
               <a:rPr lang="en-US" smtClean="0"/>
-              <a:t>1/27/13</a:t>
+              <a:t>2/10/2026</a:t>
             </a:fld>
             <a:endParaRPr lang="en-US"/>
           </a:p>
@@ -4673,10 +4448,9 @@
           <a:lstStyle/>
           <a:p>
             <a:r>
-              <a:rPr lang="en-US" smtClean="0"/>
+              <a:rPr lang="en-US"/>
               <a:t>Click to edit Master title style</a:t>
             </a:r>
-            <a:endParaRPr lang="en-US"/>
           </a:p>
         </p:txBody>
       </p:sp>
@@ -4707,38 +4481,37 @@
           <a:p>
             <a:pPr lvl="0"/>
             <a:r>
-              <a:rPr lang="en-US" smtClean="0"/>
+              <a:rPr lang="en-US"/>
               <a:t>Click to edit Master text styles</a:t>
             </a:r>
           </a:p>
           <a:p>
             <a:pPr lvl="1"/>
             <a:r>
-              <a:rPr lang="en-US" smtClean="0"/>
+              <a:rPr lang="en-US"/>
               <a:t>Second level</a:t>
             </a:r>
           </a:p>
           <a:p>
             <a:pPr lvl="2"/>
             <a:r>
-              <a:rPr lang="en-US" smtClean="0"/>
+              <a:rPr lang="en-US"/>
               <a:t>Third level</a:t>
             </a:r>
           </a:p>
           <a:p>
             <a:pPr lvl="3"/>
             <a:r>
-              <a:rPr lang="en-US" smtClean="0"/>
+              <a:rPr lang="en-US"/>
               <a:t>Fourth level</a:t>
             </a:r>
           </a:p>
           <a:p>
             <a:pPr lvl="4"/>
             <a:r>
-              <a:rPr lang="en-US" smtClean="0"/>
+              <a:rPr lang="en-US"/>
               <a:t>Fifth level</a:t>
             </a:r>
-            <a:endParaRPr lang="en-US"/>
           </a:p>
         </p:txBody>
       </p:sp>
@@ -4777,7 +4550,7 @@
           <a:p>
             <a:fld id="{5BCAD085-E8A6-8845-BD4E-CB4CCA059FC4}" type="datetimeFigureOut">
               <a:rPr lang="en-US" smtClean="0"/>
-              <a:t>1/27/13</a:t>
+              <a:t>2/10/2026</a:t>
             </a:fld>
             <a:endParaRPr lang="en-US"/>
           </a:p>
@@ -5136,7 +4909,7 @@
 </file>
 
 <file path=ppt/slides/slide1.xml><?xml version="1.0" encoding="utf-8"?>
-<p:sld xmlns:a="http://schemas.openxmlformats.org/drawingml/2006/main" xmlns:p="http://schemas.openxmlformats.org/presentationml/2006/main" xmlns:r="http://schemas.openxmlformats.org/officeDocument/2006/relationships">
+<p:sld xmlns:a="http://schemas.openxmlformats.org/drawingml/2006/main" xmlns:r="http://schemas.openxmlformats.org/officeDocument/2006/relationships" xmlns:p="http://schemas.openxmlformats.org/presentationml/2006/main">
   <p:cSld>
     <p:bg>
       <p:bgPr>
@@ -5152,7 +4925,14 @@
         <p:cNvGrpSpPr/>
         <p:nvPr/>
       </p:nvGrpSpPr>
-      <p:grpSpPr/>
+      <p:grpSpPr>
+        <a:xfrm>
+          <a:off x="0" y="0"/>
+          <a:ext cx="0" cy="0"/>
+          <a:chOff x="0" y="0"/>
+          <a:chExt cx="0" cy="0"/>
+        </a:xfrm>
+      </p:grpSpPr>
       <p:sp>
         <p:nvSpPr>
           <p:cNvPr id="2" name="Rectangle 1"/>
@@ -5193,6 +4973,7 @@
           <a:lstStyle/>
           <a:p>
             <a:pPr algn="ctr"/>
+            <a:endParaRPr/>
           </a:p>
         </p:txBody>
       </p:sp>
@@ -5236,6 +5017,7 @@
           <a:lstStyle/>
           <a:p>
             <a:pPr algn="ctr"/>
+            <a:endParaRPr/>
           </a:p>
         </p:txBody>
       </p:sp>
@@ -5391,6 +5173,7 @@
           <a:lstStyle/>
           <a:p>
             <a:pPr algn="ctr"/>
+            <a:endParaRPr/>
           </a:p>
         </p:txBody>
       </p:sp>
@@ -5439,7 +5222,7 @@
 </file>
 
 <file path=ppt/slides/slide10.xml><?xml version="1.0" encoding="utf-8"?>
-<p:sld xmlns:a="http://schemas.openxmlformats.org/drawingml/2006/main" xmlns:p="http://schemas.openxmlformats.org/presentationml/2006/main" xmlns:r="http://schemas.openxmlformats.org/officeDocument/2006/relationships">
+<p:sld xmlns:a="http://schemas.openxmlformats.org/drawingml/2006/main" xmlns:r="http://schemas.openxmlformats.org/officeDocument/2006/relationships" xmlns:p="http://schemas.openxmlformats.org/presentationml/2006/main">
   <p:cSld>
     <p:bg>
       <p:bgPr>
@@ -5455,7 +5238,14 @@
         <p:cNvGrpSpPr/>
         <p:nvPr/>
       </p:nvGrpSpPr>
-      <p:grpSpPr/>
+      <p:grpSpPr>
+        <a:xfrm>
+          <a:off x="0" y="0"/>
+          <a:ext cx="0" cy="0"/>
+          <a:chOff x="0" y="0"/>
+          <a:chExt cx="0" cy="0"/>
+        </a:xfrm>
+      </p:grpSpPr>
       <p:sp>
         <p:nvSpPr>
           <p:cNvPr id="2" name="Rectangle 1"/>
@@ -5496,6 +5286,7 @@
           <a:lstStyle/>
           <a:p>
             <a:pPr algn="ctr"/>
+            <a:endParaRPr/>
           </a:p>
         </p:txBody>
       </p:sp>
@@ -5539,6 +5330,7 @@
           <a:lstStyle/>
           <a:p>
             <a:pPr algn="ctr"/>
+            <a:endParaRPr/>
           </a:p>
         </p:txBody>
       </p:sp>
@@ -5618,6 +5410,7 @@
           <a:lstStyle/>
           <a:p>
             <a:pPr algn="ctr"/>
+            <a:endParaRPr/>
           </a:p>
         </p:txBody>
       </p:sp>
@@ -5735,6 +5528,7 @@
           <a:lstStyle/>
           <a:p>
             <a:pPr algn="ctr"/>
+            <a:endParaRPr/>
           </a:p>
         </p:txBody>
       </p:sp>
@@ -5778,6 +5572,7 @@
           <a:lstStyle/>
           <a:p>
             <a:pPr algn="ctr"/>
+            <a:endParaRPr/>
           </a:p>
         </p:txBody>
       </p:sp>
@@ -5903,6 +5698,7 @@
           <a:lstStyle/>
           <a:p>
             <a:pPr algn="ctr"/>
+            <a:endParaRPr/>
           </a:p>
         </p:txBody>
       </p:sp>
@@ -5946,6 +5742,7 @@
           <a:lstStyle/>
           <a:p>
             <a:pPr algn="ctr"/>
+            <a:endParaRPr/>
           </a:p>
         </p:txBody>
       </p:sp>
@@ -6071,6 +5868,7 @@
           <a:lstStyle/>
           <a:p>
             <a:pPr algn="ctr"/>
+            <a:endParaRPr/>
           </a:p>
         </p:txBody>
       </p:sp>
@@ -6114,6 +5912,7 @@
           <a:lstStyle/>
           <a:p>
             <a:pPr algn="ctr"/>
+            <a:endParaRPr/>
           </a:p>
         </p:txBody>
       </p:sp>
@@ -6206,7 +6005,7 @@
 </file>
 
 <file path=ppt/slides/slide11.xml><?xml version="1.0" encoding="utf-8"?>
-<p:sld xmlns:a="http://schemas.openxmlformats.org/drawingml/2006/main" xmlns:p="http://schemas.openxmlformats.org/presentationml/2006/main" xmlns:r="http://schemas.openxmlformats.org/officeDocument/2006/relationships">
+<p:sld xmlns:a="http://schemas.openxmlformats.org/drawingml/2006/main" xmlns:r="http://schemas.openxmlformats.org/officeDocument/2006/relationships" xmlns:p="http://schemas.openxmlformats.org/presentationml/2006/main">
   <p:cSld>
     <p:bg>
       <p:bgPr>
@@ -6222,7 +6021,14 @@
         <p:cNvGrpSpPr/>
         <p:nvPr/>
       </p:nvGrpSpPr>
-      <p:grpSpPr/>
+      <p:grpSpPr>
+        <a:xfrm>
+          <a:off x="0" y="0"/>
+          <a:ext cx="0" cy="0"/>
+          <a:chOff x="0" y="0"/>
+          <a:chExt cx="0" cy="0"/>
+        </a:xfrm>
+      </p:grpSpPr>
       <p:sp>
         <p:nvSpPr>
           <p:cNvPr id="2" name="Rectangle 1"/>
@@ -6263,6 +6069,7 @@
           <a:lstStyle/>
           <a:p>
             <a:pPr algn="ctr"/>
+            <a:endParaRPr/>
           </a:p>
         </p:txBody>
       </p:sp>
@@ -6306,6 +6113,7 @@
           <a:lstStyle/>
           <a:p>
             <a:pPr algn="ctr"/>
+            <a:endParaRPr/>
           </a:p>
         </p:txBody>
       </p:sp>
@@ -6385,6 +6193,7 @@
           <a:lstStyle/>
           <a:p>
             <a:pPr algn="ctr"/>
+            <a:endParaRPr/>
           </a:p>
         </p:txBody>
       </p:sp>
@@ -6466,6 +6275,7 @@
           <a:lstStyle/>
           <a:p>
             <a:pPr algn="ctr"/>
+            <a:endParaRPr/>
           </a:p>
         </p:txBody>
       </p:sp>
@@ -6650,6 +6460,7 @@
           <a:lstStyle/>
           <a:p>
             <a:pPr algn="ctr"/>
+            <a:endParaRPr/>
           </a:p>
         </p:txBody>
       </p:sp>
@@ -6801,7 +6612,7 @@
 </file>
 
 <file path=ppt/slides/slide12.xml><?xml version="1.0" encoding="utf-8"?>
-<p:sld xmlns:a="http://schemas.openxmlformats.org/drawingml/2006/main" xmlns:p="http://schemas.openxmlformats.org/presentationml/2006/main" xmlns:r="http://schemas.openxmlformats.org/officeDocument/2006/relationships">
+<p:sld xmlns:a="http://schemas.openxmlformats.org/drawingml/2006/main" xmlns:r="http://schemas.openxmlformats.org/officeDocument/2006/relationships" xmlns:p="http://schemas.openxmlformats.org/presentationml/2006/main">
   <p:cSld>
     <p:bg>
       <p:bgPr>
@@ -6817,7 +6628,14 @@
         <p:cNvGrpSpPr/>
         <p:nvPr/>
       </p:nvGrpSpPr>
-      <p:grpSpPr/>
+      <p:grpSpPr>
+        <a:xfrm>
+          <a:off x="0" y="0"/>
+          <a:ext cx="0" cy="0"/>
+          <a:chOff x="0" y="0"/>
+          <a:chExt cx="0" cy="0"/>
+        </a:xfrm>
+      </p:grpSpPr>
       <p:sp>
         <p:nvSpPr>
           <p:cNvPr id="2" name="Rectangle 1"/>
@@ -6858,6 +6676,7 @@
           <a:lstStyle/>
           <a:p>
             <a:pPr algn="ctr"/>
+            <a:endParaRPr/>
           </a:p>
         </p:txBody>
       </p:sp>
@@ -6973,6 +6792,7 @@
           <a:lstStyle/>
           <a:p>
             <a:pPr algn="ctr"/>
+            <a:endParaRPr/>
           </a:p>
         </p:txBody>
       </p:sp>
@@ -7021,7 +6841,7 @@
 </file>
 
 <file path=ppt/slides/slide13.xml><?xml version="1.0" encoding="utf-8"?>
-<p:sld xmlns:a="http://schemas.openxmlformats.org/drawingml/2006/main" xmlns:p="http://schemas.openxmlformats.org/presentationml/2006/main" xmlns:r="http://schemas.openxmlformats.org/officeDocument/2006/relationships">
+<p:sld xmlns:a="http://schemas.openxmlformats.org/drawingml/2006/main" xmlns:r="http://schemas.openxmlformats.org/officeDocument/2006/relationships" xmlns:p="http://schemas.openxmlformats.org/presentationml/2006/main">
   <p:cSld>
     <p:bg>
       <p:bgPr>
@@ -7037,7 +6857,14 @@
         <p:cNvGrpSpPr/>
         <p:nvPr/>
       </p:nvGrpSpPr>
-      <p:grpSpPr/>
+      <p:grpSpPr>
+        <a:xfrm>
+          <a:off x="0" y="0"/>
+          <a:ext cx="0" cy="0"/>
+          <a:chOff x="0" y="0"/>
+          <a:chExt cx="0" cy="0"/>
+        </a:xfrm>
+      </p:grpSpPr>
       <p:sp>
         <p:nvSpPr>
           <p:cNvPr id="2" name="Rectangle 1"/>
@@ -7078,6 +6905,7 @@
           <a:lstStyle/>
           <a:p>
             <a:pPr algn="ctr"/>
+            <a:endParaRPr/>
           </a:p>
         </p:txBody>
       </p:sp>
@@ -7121,6 +6949,7 @@
           <a:lstStyle/>
           <a:p>
             <a:pPr algn="ctr"/>
+            <a:endParaRPr/>
           </a:p>
         </p:txBody>
       </p:sp>
@@ -7200,6 +7029,7 @@
           <a:lstStyle/>
           <a:p>
             <a:pPr algn="ctr"/>
+            <a:endParaRPr/>
           </a:p>
         </p:txBody>
       </p:sp>
@@ -7317,6 +7147,7 @@
           <a:lstStyle/>
           <a:p>
             <a:pPr algn="ctr"/>
+            <a:endParaRPr/>
           </a:p>
         </p:txBody>
       </p:sp>
@@ -7474,6 +7305,7 @@
           <a:lstStyle/>
           <a:p>
             <a:pPr algn="ctr"/>
+            <a:endParaRPr/>
           </a:p>
         </p:txBody>
       </p:sp>
@@ -7631,6 +7463,7 @@
           <a:lstStyle/>
           <a:p>
             <a:pPr algn="ctr"/>
+            <a:endParaRPr/>
           </a:p>
         </p:txBody>
       </p:sp>
@@ -7788,6 +7621,7 @@
           <a:lstStyle/>
           <a:p>
             <a:pPr algn="ctr"/>
+            <a:endParaRPr/>
           </a:p>
         </p:txBody>
       </p:sp>
@@ -7912,7 +7746,7 @@
 </file>
 
 <file path=ppt/slides/slide14.xml><?xml version="1.0" encoding="utf-8"?>
-<p:sld xmlns:a="http://schemas.openxmlformats.org/drawingml/2006/main" xmlns:p="http://schemas.openxmlformats.org/presentationml/2006/main" xmlns:r="http://schemas.openxmlformats.org/officeDocument/2006/relationships">
+<p:sld xmlns:a="http://schemas.openxmlformats.org/drawingml/2006/main" xmlns:r="http://schemas.openxmlformats.org/officeDocument/2006/relationships" xmlns:p="http://schemas.openxmlformats.org/presentationml/2006/main">
   <p:cSld>
     <p:bg>
       <p:bgPr>
@@ -7928,7 +7762,14 @@
         <p:cNvGrpSpPr/>
         <p:nvPr/>
       </p:nvGrpSpPr>
-      <p:grpSpPr/>
+      <p:grpSpPr>
+        <a:xfrm>
+          <a:off x="0" y="0"/>
+          <a:ext cx="0" cy="0"/>
+          <a:chOff x="0" y="0"/>
+          <a:chExt cx="0" cy="0"/>
+        </a:xfrm>
+      </p:grpSpPr>
       <p:sp>
         <p:nvSpPr>
           <p:cNvPr id="2" name="Rectangle 1"/>
@@ -7969,6 +7810,7 @@
           <a:lstStyle/>
           <a:p>
             <a:pPr algn="ctr"/>
+            <a:endParaRPr/>
           </a:p>
         </p:txBody>
       </p:sp>
@@ -8012,6 +7854,7 @@
           <a:lstStyle/>
           <a:p>
             <a:pPr algn="ctr"/>
+            <a:endParaRPr/>
           </a:p>
         </p:txBody>
       </p:sp>
@@ -8091,6 +7934,7 @@
           <a:lstStyle/>
           <a:p>
             <a:pPr algn="ctr"/>
+            <a:endParaRPr/>
           </a:p>
         </p:txBody>
       </p:sp>
@@ -8172,6 +8016,7 @@
           <a:lstStyle/>
           <a:p>
             <a:pPr algn="ctr"/>
+            <a:endParaRPr/>
           </a:p>
         </p:txBody>
       </p:sp>
@@ -8376,6 +8221,7 @@
           <a:lstStyle/>
           <a:p>
             <a:pPr algn="ctr"/>
+            <a:endParaRPr/>
           </a:p>
         </p:txBody>
       </p:sp>
@@ -8527,7 +8373,7 @@
 </file>
 
 <file path=ppt/slides/slide15.xml><?xml version="1.0" encoding="utf-8"?>
-<p:sld xmlns:a="http://schemas.openxmlformats.org/drawingml/2006/main" xmlns:p="http://schemas.openxmlformats.org/presentationml/2006/main" xmlns:r="http://schemas.openxmlformats.org/officeDocument/2006/relationships">
+<p:sld xmlns:a="http://schemas.openxmlformats.org/drawingml/2006/main" xmlns:r="http://schemas.openxmlformats.org/officeDocument/2006/relationships" xmlns:p="http://schemas.openxmlformats.org/presentationml/2006/main">
   <p:cSld>
     <p:bg>
       <p:bgPr>
@@ -8543,7 +8389,14 @@
         <p:cNvGrpSpPr/>
         <p:nvPr/>
       </p:nvGrpSpPr>
-      <p:grpSpPr/>
+      <p:grpSpPr>
+        <a:xfrm>
+          <a:off x="0" y="0"/>
+          <a:ext cx="0" cy="0"/>
+          <a:chOff x="0" y="0"/>
+          <a:chExt cx="0" cy="0"/>
+        </a:xfrm>
+      </p:grpSpPr>
       <p:sp>
         <p:nvSpPr>
           <p:cNvPr id="2" name="Rectangle 1"/>
@@ -8584,6 +8437,7 @@
           <a:lstStyle/>
           <a:p>
             <a:pPr algn="ctr"/>
+            <a:endParaRPr/>
           </a:p>
         </p:txBody>
       </p:sp>
@@ -8627,6 +8481,7 @@
           <a:lstStyle/>
           <a:p>
             <a:pPr algn="ctr"/>
+            <a:endParaRPr/>
           </a:p>
         </p:txBody>
       </p:sp>
@@ -8706,6 +8561,7 @@
           <a:lstStyle/>
           <a:p>
             <a:pPr algn="ctr"/>
+            <a:endParaRPr/>
           </a:p>
         </p:txBody>
       </p:sp>
@@ -8785,6 +8641,7 @@
           <a:lstStyle/>
           <a:p>
             <a:pPr algn="ctr"/>
+            <a:endParaRPr/>
           </a:p>
         </p:txBody>
       </p:sp>
@@ -8864,6 +8721,7 @@
           <a:lstStyle/>
           <a:p>
             <a:pPr algn="ctr"/>
+            <a:endParaRPr/>
           </a:p>
         </p:txBody>
       </p:sp>
@@ -9118,7 +8976,7 @@
 </file>
 
 <file path=ppt/slides/slide16.xml><?xml version="1.0" encoding="utf-8"?>
-<p:sld xmlns:a="http://schemas.openxmlformats.org/drawingml/2006/main" xmlns:p="http://schemas.openxmlformats.org/presentationml/2006/main" xmlns:r="http://schemas.openxmlformats.org/officeDocument/2006/relationships">
+<p:sld xmlns:a="http://schemas.openxmlformats.org/drawingml/2006/main" xmlns:r="http://schemas.openxmlformats.org/officeDocument/2006/relationships" xmlns:p="http://schemas.openxmlformats.org/presentationml/2006/main">
   <p:cSld>
     <p:bg>
       <p:bgPr>
@@ -9134,7 +8992,14 @@
         <p:cNvGrpSpPr/>
         <p:nvPr/>
       </p:nvGrpSpPr>
-      <p:grpSpPr/>
+      <p:grpSpPr>
+        <a:xfrm>
+          <a:off x="0" y="0"/>
+          <a:ext cx="0" cy="0"/>
+          <a:chOff x="0" y="0"/>
+          <a:chExt cx="0" cy="0"/>
+        </a:xfrm>
+      </p:grpSpPr>
       <p:sp>
         <p:nvSpPr>
           <p:cNvPr id="2" name="Rectangle 1"/>
@@ -9175,6 +9040,7 @@
           <a:lstStyle/>
           <a:p>
             <a:pPr algn="ctr"/>
+            <a:endParaRPr/>
           </a:p>
         </p:txBody>
       </p:sp>
@@ -9218,6 +9084,7 @@
           <a:lstStyle/>
           <a:p>
             <a:pPr algn="ctr"/>
+            <a:endParaRPr/>
           </a:p>
         </p:txBody>
       </p:sp>
@@ -9297,6 +9164,7 @@
           <a:lstStyle/>
           <a:p>
             <a:pPr algn="ctr"/>
+            <a:endParaRPr/>
           </a:p>
         </p:txBody>
       </p:sp>
@@ -9985,7 +9853,7 @@
 </file>
 
 <file path=ppt/slides/slide17.xml><?xml version="1.0" encoding="utf-8"?>
-<p:sld xmlns:a="http://schemas.openxmlformats.org/drawingml/2006/main" xmlns:p="http://schemas.openxmlformats.org/presentationml/2006/main" xmlns:r="http://schemas.openxmlformats.org/officeDocument/2006/relationships">
+<p:sld xmlns:a="http://schemas.openxmlformats.org/drawingml/2006/main" xmlns:r="http://schemas.openxmlformats.org/officeDocument/2006/relationships" xmlns:p="http://schemas.openxmlformats.org/presentationml/2006/main">
   <p:cSld>
     <p:bg>
       <p:bgPr>
@@ -10001,7 +9869,14 @@
         <p:cNvGrpSpPr/>
         <p:nvPr/>
       </p:nvGrpSpPr>
-      <p:grpSpPr/>
+      <p:grpSpPr>
+        <a:xfrm>
+          <a:off x="0" y="0"/>
+          <a:ext cx="0" cy="0"/>
+          <a:chOff x="0" y="0"/>
+          <a:chExt cx="0" cy="0"/>
+        </a:xfrm>
+      </p:grpSpPr>
       <p:sp>
         <p:nvSpPr>
           <p:cNvPr id="2" name="Rectangle 1"/>
@@ -10042,6 +9917,7 @@
           <a:lstStyle/>
           <a:p>
             <a:pPr algn="ctr"/>
+            <a:endParaRPr/>
           </a:p>
         </p:txBody>
       </p:sp>
@@ -10085,6 +9961,7 @@
           <a:lstStyle/>
           <a:p>
             <a:pPr algn="ctr"/>
+            <a:endParaRPr/>
           </a:p>
         </p:txBody>
       </p:sp>
@@ -10164,6 +10041,7 @@
           <a:lstStyle/>
           <a:p>
             <a:pPr algn="ctr"/>
+            <a:endParaRPr/>
           </a:p>
         </p:txBody>
       </p:sp>
@@ -10245,6 +10123,7 @@
           <a:lstStyle/>
           <a:p>
             <a:pPr algn="ctr"/>
+            <a:endParaRPr/>
           </a:p>
         </p:txBody>
       </p:sp>
@@ -10436,7 +10315,7 @@
 </file>
 
 <file path=ppt/slides/slide18.xml><?xml version="1.0" encoding="utf-8"?>
-<p:sld xmlns:a="http://schemas.openxmlformats.org/drawingml/2006/main" xmlns:p="http://schemas.openxmlformats.org/presentationml/2006/main" xmlns:r="http://schemas.openxmlformats.org/officeDocument/2006/relationships">
+<p:sld xmlns:a="http://schemas.openxmlformats.org/drawingml/2006/main" xmlns:r="http://schemas.openxmlformats.org/officeDocument/2006/relationships" xmlns:p="http://schemas.openxmlformats.org/presentationml/2006/main">
   <p:cSld>
     <p:bg>
       <p:bgPr>
@@ -10452,7 +10331,14 @@
         <p:cNvGrpSpPr/>
         <p:nvPr/>
       </p:nvGrpSpPr>
-      <p:grpSpPr/>
+      <p:grpSpPr>
+        <a:xfrm>
+          <a:off x="0" y="0"/>
+          <a:ext cx="0" cy="0"/>
+          <a:chOff x="0" y="0"/>
+          <a:chExt cx="0" cy="0"/>
+        </a:xfrm>
+      </p:grpSpPr>
       <p:sp>
         <p:nvSpPr>
           <p:cNvPr id="2" name="Rectangle 1"/>
@@ -10493,6 +10379,7 @@
           <a:lstStyle/>
           <a:p>
             <a:pPr algn="ctr"/>
+            <a:endParaRPr/>
           </a:p>
         </p:txBody>
       </p:sp>
@@ -10608,6 +10495,7 @@
           <a:lstStyle/>
           <a:p>
             <a:pPr algn="ctr"/>
+            <a:endParaRPr/>
           </a:p>
         </p:txBody>
       </p:sp>
@@ -10656,7 +10544,7 @@
 </file>
 
 <file path=ppt/slides/slide19.xml><?xml version="1.0" encoding="utf-8"?>
-<p:sld xmlns:a="http://schemas.openxmlformats.org/drawingml/2006/main" xmlns:p="http://schemas.openxmlformats.org/presentationml/2006/main" xmlns:r="http://schemas.openxmlformats.org/officeDocument/2006/relationships">
+<p:sld xmlns:a="http://schemas.openxmlformats.org/drawingml/2006/main" xmlns:r="http://schemas.openxmlformats.org/officeDocument/2006/relationships" xmlns:p="http://schemas.openxmlformats.org/presentationml/2006/main">
   <p:cSld>
     <p:bg>
       <p:bgPr>
@@ -10672,7 +10560,14 @@
         <p:cNvGrpSpPr/>
         <p:nvPr/>
       </p:nvGrpSpPr>
-      <p:grpSpPr/>
+      <p:grpSpPr>
+        <a:xfrm>
+          <a:off x="0" y="0"/>
+          <a:ext cx="0" cy="0"/>
+          <a:chOff x="0" y="0"/>
+          <a:chExt cx="0" cy="0"/>
+        </a:xfrm>
+      </p:grpSpPr>
       <p:sp>
         <p:nvSpPr>
           <p:cNvPr id="2" name="Rectangle 1"/>
@@ -10713,6 +10608,7 @@
           <a:lstStyle/>
           <a:p>
             <a:pPr algn="ctr"/>
+            <a:endParaRPr/>
           </a:p>
         </p:txBody>
       </p:sp>
@@ -10756,6 +10652,7 @@
           <a:lstStyle/>
           <a:p>
             <a:pPr algn="ctr"/>
+            <a:endParaRPr/>
           </a:p>
         </p:txBody>
       </p:sp>
@@ -10835,6 +10732,7 @@
           <a:lstStyle/>
           <a:p>
             <a:pPr algn="ctr"/>
+            <a:endParaRPr/>
           </a:p>
         </p:txBody>
       </p:sp>
@@ -10950,7 +10848,7 @@
           </a:fontRef>
         </p:style>
         <p:txBody>
-          <a:bodyPr rtlCol="0" anchor="ctr" wrap="square"/>
+          <a:bodyPr wrap="square" rtlCol="0" anchor="ctr"/>
           <a:lstStyle/>
           <a:p>
             <a:pPr algn="ctr">
@@ -11042,7 +10940,7 @@
           </a:fontRef>
         </p:style>
         <p:txBody>
-          <a:bodyPr rtlCol="0" anchor="ctr" wrap="square"/>
+          <a:bodyPr wrap="square" rtlCol="0" anchor="ctr"/>
           <a:lstStyle/>
           <a:p>
             <a:pPr algn="ctr">
@@ -11134,7 +11032,7 @@
           </a:fontRef>
         </p:style>
         <p:txBody>
-          <a:bodyPr rtlCol="0" anchor="ctr" wrap="square"/>
+          <a:bodyPr wrap="square" rtlCol="0" anchor="ctr"/>
           <a:lstStyle/>
           <a:p>
             <a:pPr algn="ctr">
@@ -11196,6 +11094,7 @@
           <a:lstStyle/>
           <a:p>
             <a:pPr algn="ctr"/>
+            <a:endParaRPr/>
           </a:p>
         </p:txBody>
       </p:sp>
@@ -11248,7 +11147,7 @@
 </file>
 
 <file path=ppt/slides/slide2.xml><?xml version="1.0" encoding="utf-8"?>
-<p:sld xmlns:a="http://schemas.openxmlformats.org/drawingml/2006/main" xmlns:p="http://schemas.openxmlformats.org/presentationml/2006/main" xmlns:r="http://schemas.openxmlformats.org/officeDocument/2006/relationships">
+<p:sld xmlns:a="http://schemas.openxmlformats.org/drawingml/2006/main" xmlns:r="http://schemas.openxmlformats.org/officeDocument/2006/relationships" xmlns:p="http://schemas.openxmlformats.org/presentationml/2006/main">
   <p:cSld>
     <p:bg>
       <p:bgPr>
@@ -11264,7 +11163,14 @@
         <p:cNvGrpSpPr/>
         <p:nvPr/>
       </p:nvGrpSpPr>
-      <p:grpSpPr/>
+      <p:grpSpPr>
+        <a:xfrm>
+          <a:off x="0" y="0"/>
+          <a:ext cx="0" cy="0"/>
+          <a:chOff x="0" y="0"/>
+          <a:chExt cx="0" cy="0"/>
+        </a:xfrm>
+      </p:grpSpPr>
       <p:sp>
         <p:nvSpPr>
           <p:cNvPr id="2" name="Rectangle 1"/>
@@ -11305,6 +11211,7 @@
           <a:lstStyle/>
           <a:p>
             <a:pPr algn="ctr"/>
+            <a:endParaRPr/>
           </a:p>
         </p:txBody>
       </p:sp>
@@ -11348,6 +11255,7 @@
           <a:lstStyle/>
           <a:p>
             <a:pPr algn="ctr"/>
+            <a:endParaRPr/>
           </a:p>
         </p:txBody>
       </p:sp>
@@ -11427,6 +11335,7 @@
           <a:lstStyle/>
           <a:p>
             <a:pPr algn="ctr"/>
+            <a:endParaRPr/>
           </a:p>
         </p:txBody>
       </p:sp>
@@ -11508,6 +11417,7 @@
           <a:lstStyle/>
           <a:p>
             <a:pPr algn="ctr"/>
+            <a:endParaRPr/>
           </a:p>
         </p:txBody>
       </p:sp>
@@ -11669,6 +11579,7 @@
           <a:lstStyle/>
           <a:p>
             <a:pPr algn="ctr"/>
+            <a:endParaRPr/>
           </a:p>
         </p:txBody>
       </p:sp>
@@ -11830,6 +11741,7 @@
           <a:lstStyle/>
           <a:p>
             <a:pPr algn="ctr"/>
+            <a:endParaRPr/>
           </a:p>
         </p:txBody>
       </p:sp>
@@ -11991,6 +11903,7 @@
           <a:lstStyle/>
           <a:p>
             <a:pPr algn="ctr"/>
+            <a:endParaRPr/>
           </a:p>
         </p:txBody>
       </p:sp>
@@ -12119,7 +12032,7 @@
 </file>
 
 <file path=ppt/slides/slide20.xml><?xml version="1.0" encoding="utf-8"?>
-<p:sld xmlns:a="http://schemas.openxmlformats.org/drawingml/2006/main" xmlns:p="http://schemas.openxmlformats.org/presentationml/2006/main" xmlns:r="http://schemas.openxmlformats.org/officeDocument/2006/relationships">
+<p:sld xmlns:a="http://schemas.openxmlformats.org/drawingml/2006/main" xmlns:r="http://schemas.openxmlformats.org/officeDocument/2006/relationships" xmlns:p="http://schemas.openxmlformats.org/presentationml/2006/main">
   <p:cSld>
     <p:bg>
       <p:bgPr>
@@ -12135,7 +12048,14 @@
         <p:cNvGrpSpPr/>
         <p:nvPr/>
       </p:nvGrpSpPr>
-      <p:grpSpPr/>
+      <p:grpSpPr>
+        <a:xfrm>
+          <a:off x="0" y="0"/>
+          <a:ext cx="0" cy="0"/>
+          <a:chOff x="0" y="0"/>
+          <a:chExt cx="0" cy="0"/>
+        </a:xfrm>
+      </p:grpSpPr>
       <p:sp>
         <p:nvSpPr>
           <p:cNvPr id="2" name="Rectangle 1"/>
@@ -12176,6 +12096,7 @@
           <a:lstStyle/>
           <a:p>
             <a:pPr algn="ctr"/>
+            <a:endParaRPr/>
           </a:p>
         </p:txBody>
       </p:sp>
@@ -12219,6 +12140,7 @@
           <a:lstStyle/>
           <a:p>
             <a:pPr algn="ctr"/>
+            <a:endParaRPr/>
           </a:p>
         </p:txBody>
       </p:sp>
@@ -12298,6 +12220,7 @@
           <a:lstStyle/>
           <a:p>
             <a:pPr algn="ctr"/>
+            <a:endParaRPr/>
           </a:p>
         </p:txBody>
       </p:sp>
@@ -12377,6 +12300,7 @@
           <a:lstStyle/>
           <a:p>
             <a:pPr algn="ctr"/>
+            <a:endParaRPr/>
           </a:p>
         </p:txBody>
       </p:sp>
@@ -12456,6 +12380,7 @@
           <a:lstStyle/>
           <a:p>
             <a:pPr algn="ctr"/>
+            <a:endParaRPr/>
           </a:p>
         </p:txBody>
       </p:sp>
@@ -12535,6 +12460,7 @@
           <a:lstStyle/>
           <a:p>
             <a:pPr algn="ctr"/>
+            <a:endParaRPr/>
           </a:p>
         </p:txBody>
       </p:sp>
@@ -12616,6 +12542,7 @@
           <a:lstStyle/>
           <a:p>
             <a:pPr algn="ctr"/>
+            <a:endParaRPr/>
           </a:p>
         </p:txBody>
       </p:sp>
@@ -12697,6 +12624,7 @@
           <a:lstStyle/>
           <a:p>
             <a:pPr algn="ctr"/>
+            <a:endParaRPr/>
           </a:p>
         </p:txBody>
       </p:sp>
@@ -12778,6 +12706,7 @@
           <a:lstStyle/>
           <a:p>
             <a:pPr algn="ctr"/>
+            <a:endParaRPr/>
           </a:p>
         </p:txBody>
       </p:sp>
@@ -12859,6 +12788,7 @@
           <a:lstStyle/>
           <a:p>
             <a:pPr algn="ctr"/>
+            <a:endParaRPr/>
           </a:p>
         </p:txBody>
       </p:sp>
@@ -12940,6 +12870,7 @@
           <a:lstStyle/>
           <a:p>
             <a:pPr algn="ctr"/>
+            <a:endParaRPr/>
           </a:p>
         </p:txBody>
       </p:sp>
@@ -13021,6 +12952,7 @@
           <a:lstStyle/>
           <a:p>
             <a:pPr algn="ctr"/>
+            <a:endParaRPr/>
           </a:p>
         </p:txBody>
       </p:sp>
@@ -13102,6 +13034,7 @@
           <a:lstStyle/>
           <a:p>
             <a:pPr algn="ctr"/>
+            <a:endParaRPr/>
           </a:p>
         </p:txBody>
       </p:sp>
@@ -13183,6 +13116,7 @@
           <a:lstStyle/>
           <a:p>
             <a:pPr algn="ctr"/>
+            <a:endParaRPr/>
           </a:p>
         </p:txBody>
       </p:sp>
@@ -13264,6 +13198,7 @@
           <a:lstStyle/>
           <a:p>
             <a:pPr algn="ctr"/>
+            <a:endParaRPr/>
           </a:p>
         </p:txBody>
       </p:sp>
@@ -13345,6 +13280,7 @@
           <a:lstStyle/>
           <a:p>
             <a:pPr algn="ctr"/>
+            <a:endParaRPr/>
           </a:p>
         </p:txBody>
       </p:sp>
@@ -13426,6 +13362,7 @@
           <a:lstStyle/>
           <a:p>
             <a:pPr algn="ctr"/>
+            <a:endParaRPr/>
           </a:p>
         </p:txBody>
       </p:sp>
@@ -13507,6 +13444,7 @@
           <a:lstStyle/>
           <a:p>
             <a:pPr algn="ctr"/>
+            <a:endParaRPr/>
           </a:p>
         </p:txBody>
       </p:sp>
@@ -13588,6 +13526,7 @@
           <a:lstStyle/>
           <a:p>
             <a:pPr algn="ctr"/>
+            <a:endParaRPr/>
           </a:p>
         </p:txBody>
       </p:sp>
@@ -13636,7 +13575,7 @@
 </file>
 
 <file path=ppt/slides/slide21.xml><?xml version="1.0" encoding="utf-8"?>
-<p:sld xmlns:a="http://schemas.openxmlformats.org/drawingml/2006/main" xmlns:p="http://schemas.openxmlformats.org/presentationml/2006/main" xmlns:r="http://schemas.openxmlformats.org/officeDocument/2006/relationships">
+<p:sld xmlns:a="http://schemas.openxmlformats.org/drawingml/2006/main" xmlns:r="http://schemas.openxmlformats.org/officeDocument/2006/relationships" xmlns:p="http://schemas.openxmlformats.org/presentationml/2006/main">
   <p:cSld>
     <p:bg>
       <p:bgPr>
@@ -13652,7 +13591,14 @@
         <p:cNvGrpSpPr/>
         <p:nvPr/>
       </p:nvGrpSpPr>
-      <p:grpSpPr/>
+      <p:grpSpPr>
+        <a:xfrm>
+          <a:off x="0" y="0"/>
+          <a:ext cx="0" cy="0"/>
+          <a:chOff x="0" y="0"/>
+          <a:chExt cx="0" cy="0"/>
+        </a:xfrm>
+      </p:grpSpPr>
       <p:sp>
         <p:nvSpPr>
           <p:cNvPr id="2" name="Rectangle 1"/>
@@ -13693,6 +13639,7 @@
           <a:lstStyle/>
           <a:p>
             <a:pPr algn="ctr"/>
+            <a:endParaRPr/>
           </a:p>
         </p:txBody>
       </p:sp>
@@ -13736,6 +13683,7 @@
           <a:lstStyle/>
           <a:p>
             <a:pPr algn="ctr"/>
+            <a:endParaRPr/>
           </a:p>
         </p:txBody>
       </p:sp>
@@ -13815,6 +13763,7 @@
           <a:lstStyle/>
           <a:p>
             <a:pPr algn="ctr"/>
+            <a:endParaRPr/>
           </a:p>
         </p:txBody>
       </p:sp>
@@ -13932,6 +13881,7 @@
           <a:lstStyle/>
           <a:p>
             <a:pPr algn="ctr"/>
+            <a:endParaRPr/>
           </a:p>
         </p:txBody>
       </p:sp>
@@ -13975,6 +13925,7 @@
           <a:lstStyle/>
           <a:p>
             <a:pPr algn="ctr"/>
+            <a:endParaRPr/>
           </a:p>
         </p:txBody>
       </p:sp>
@@ -14143,6 +14094,7 @@
           <a:lstStyle/>
           <a:p>
             <a:pPr algn="ctr"/>
+            <a:endParaRPr/>
           </a:p>
         </p:txBody>
       </p:sp>
@@ -14186,6 +14138,7 @@
           <a:lstStyle/>
           <a:p>
             <a:pPr algn="ctr"/>
+            <a:endParaRPr/>
           </a:p>
         </p:txBody>
       </p:sp>
@@ -14321,7 +14274,7 @@
 </file>
 
 <file path=ppt/slides/slide22.xml><?xml version="1.0" encoding="utf-8"?>
-<p:sld xmlns:a="http://schemas.openxmlformats.org/drawingml/2006/main" xmlns:p="http://schemas.openxmlformats.org/presentationml/2006/main" xmlns:r="http://schemas.openxmlformats.org/officeDocument/2006/relationships">
+<p:sld xmlns:a="http://schemas.openxmlformats.org/drawingml/2006/main" xmlns:r="http://schemas.openxmlformats.org/officeDocument/2006/relationships" xmlns:p="http://schemas.openxmlformats.org/presentationml/2006/main">
   <p:cSld>
     <p:bg>
       <p:bgPr>
@@ -14337,7 +14290,14 @@
         <p:cNvGrpSpPr/>
         <p:nvPr/>
       </p:nvGrpSpPr>
-      <p:grpSpPr/>
+      <p:grpSpPr>
+        <a:xfrm>
+          <a:off x="0" y="0"/>
+          <a:ext cx="0" cy="0"/>
+          <a:chOff x="0" y="0"/>
+          <a:chExt cx="0" cy="0"/>
+        </a:xfrm>
+      </p:grpSpPr>
       <p:sp>
         <p:nvSpPr>
           <p:cNvPr id="2" name="Rectangle 1"/>
@@ -14378,6 +14338,7 @@
           <a:lstStyle/>
           <a:p>
             <a:pPr algn="ctr"/>
+            <a:endParaRPr/>
           </a:p>
         </p:txBody>
       </p:sp>
@@ -14493,6 +14454,7 @@
           <a:lstStyle/>
           <a:p>
             <a:pPr algn="ctr"/>
+            <a:endParaRPr/>
           </a:p>
         </p:txBody>
       </p:sp>
@@ -14541,7 +14503,7 @@
 </file>
 
 <file path=ppt/slides/slide23.xml><?xml version="1.0" encoding="utf-8"?>
-<p:sld xmlns:a="http://schemas.openxmlformats.org/drawingml/2006/main" xmlns:p="http://schemas.openxmlformats.org/presentationml/2006/main" xmlns:r="http://schemas.openxmlformats.org/officeDocument/2006/relationships">
+<p:sld xmlns:a="http://schemas.openxmlformats.org/drawingml/2006/main" xmlns:r="http://schemas.openxmlformats.org/officeDocument/2006/relationships" xmlns:p="http://schemas.openxmlformats.org/presentationml/2006/main">
   <p:cSld>
     <p:bg>
       <p:bgPr>
@@ -14557,7 +14519,14 @@
         <p:cNvGrpSpPr/>
         <p:nvPr/>
       </p:nvGrpSpPr>
-      <p:grpSpPr/>
+      <p:grpSpPr>
+        <a:xfrm>
+          <a:off x="0" y="0"/>
+          <a:ext cx="0" cy="0"/>
+          <a:chOff x="0" y="0"/>
+          <a:chExt cx="0" cy="0"/>
+        </a:xfrm>
+      </p:grpSpPr>
       <p:sp>
         <p:nvSpPr>
           <p:cNvPr id="2" name="Rectangle 1"/>
@@ -14598,6 +14567,7 @@
           <a:lstStyle/>
           <a:p>
             <a:pPr algn="ctr"/>
+            <a:endParaRPr/>
           </a:p>
         </p:txBody>
       </p:sp>
@@ -14641,6 +14611,7 @@
           <a:lstStyle/>
           <a:p>
             <a:pPr algn="ctr"/>
+            <a:endParaRPr/>
           </a:p>
         </p:txBody>
       </p:sp>
@@ -14720,6 +14691,7 @@
           <a:lstStyle/>
           <a:p>
             <a:pPr algn="ctr"/>
+            <a:endParaRPr/>
           </a:p>
         </p:txBody>
       </p:sp>
@@ -15419,6 +15391,7 @@
           <a:lstStyle/>
           <a:p>
             <a:pPr algn="ctr"/>
+            <a:endParaRPr/>
           </a:p>
         </p:txBody>
       </p:sp>
@@ -15467,7 +15440,7 @@
 </file>
 
 <file path=ppt/slides/slide24.xml><?xml version="1.0" encoding="utf-8"?>
-<p:sld xmlns:a="http://schemas.openxmlformats.org/drawingml/2006/main" xmlns:p="http://schemas.openxmlformats.org/presentationml/2006/main" xmlns:r="http://schemas.openxmlformats.org/officeDocument/2006/relationships">
+<p:sld xmlns:a="http://schemas.openxmlformats.org/drawingml/2006/main" xmlns:r="http://schemas.openxmlformats.org/officeDocument/2006/relationships" xmlns:p="http://schemas.openxmlformats.org/presentationml/2006/main">
   <p:cSld>
     <p:bg>
       <p:bgPr>
@@ -15483,7 +15456,14 @@
         <p:cNvGrpSpPr/>
         <p:nvPr/>
       </p:nvGrpSpPr>
-      <p:grpSpPr/>
+      <p:grpSpPr>
+        <a:xfrm>
+          <a:off x="0" y="0"/>
+          <a:ext cx="0" cy="0"/>
+          <a:chOff x="0" y="0"/>
+          <a:chExt cx="0" cy="0"/>
+        </a:xfrm>
+      </p:grpSpPr>
       <p:sp>
         <p:nvSpPr>
           <p:cNvPr id="2" name="Rectangle 1"/>
@@ -15524,6 +15504,7 @@
           <a:lstStyle/>
           <a:p>
             <a:pPr algn="ctr"/>
+            <a:endParaRPr/>
           </a:p>
         </p:txBody>
       </p:sp>
@@ -15567,6 +15548,7 @@
           <a:lstStyle/>
           <a:p>
             <a:pPr algn="ctr"/>
+            <a:endParaRPr/>
           </a:p>
         </p:txBody>
       </p:sp>
@@ -15646,6 +15628,7 @@
           <a:lstStyle/>
           <a:p>
             <a:pPr algn="ctr"/>
+            <a:endParaRPr/>
           </a:p>
         </p:txBody>
       </p:sp>
@@ -16134,7 +16117,7 @@
 </file>
 
 <file path=ppt/slides/slide25.xml><?xml version="1.0" encoding="utf-8"?>
-<p:sld xmlns:a="http://schemas.openxmlformats.org/drawingml/2006/main" xmlns:p="http://schemas.openxmlformats.org/presentationml/2006/main" xmlns:r="http://schemas.openxmlformats.org/officeDocument/2006/relationships">
+<p:sld xmlns:a="http://schemas.openxmlformats.org/drawingml/2006/main" xmlns:r="http://schemas.openxmlformats.org/officeDocument/2006/relationships" xmlns:p="http://schemas.openxmlformats.org/presentationml/2006/main">
   <p:cSld>
     <p:bg>
       <p:bgPr>
@@ -16150,7 +16133,14 @@
         <p:cNvGrpSpPr/>
         <p:nvPr/>
       </p:nvGrpSpPr>
-      <p:grpSpPr/>
+      <p:grpSpPr>
+        <a:xfrm>
+          <a:off x="0" y="0"/>
+          <a:ext cx="0" cy="0"/>
+          <a:chOff x="0" y="0"/>
+          <a:chExt cx="0" cy="0"/>
+        </a:xfrm>
+      </p:grpSpPr>
       <p:sp>
         <p:nvSpPr>
           <p:cNvPr id="2" name="Rectangle 1"/>
@@ -16191,6 +16181,7 @@
           <a:lstStyle/>
           <a:p>
             <a:pPr algn="ctr"/>
+            <a:endParaRPr/>
           </a:p>
         </p:txBody>
       </p:sp>
@@ -16234,6 +16225,7 @@
           <a:lstStyle/>
           <a:p>
             <a:pPr algn="ctr"/>
+            <a:endParaRPr/>
           </a:p>
         </p:txBody>
       </p:sp>
@@ -16313,6 +16305,7 @@
           <a:lstStyle/>
           <a:p>
             <a:pPr algn="ctr"/>
+            <a:endParaRPr/>
           </a:p>
         </p:txBody>
       </p:sp>
@@ -16394,6 +16387,7 @@
           <a:lstStyle/>
           <a:p>
             <a:pPr algn="ctr"/>
+            <a:endParaRPr/>
           </a:p>
         </p:txBody>
       </p:sp>
@@ -16551,6 +16545,7 @@
           <a:lstStyle/>
           <a:p>
             <a:pPr algn="ctr"/>
+            <a:endParaRPr/>
           </a:p>
         </p:txBody>
       </p:sp>
@@ -16708,6 +16703,7 @@
           <a:lstStyle/>
           <a:p>
             <a:pPr algn="ctr"/>
+            <a:endParaRPr/>
           </a:p>
         </p:txBody>
       </p:sp>
@@ -16865,6 +16861,7 @@
           <a:lstStyle/>
           <a:p>
             <a:pPr algn="ctr"/>
+            <a:endParaRPr/>
           </a:p>
         </p:txBody>
       </p:sp>
@@ -16989,7 +16986,7 @@
 </file>
 
 <file path=ppt/slides/slide26.xml><?xml version="1.0" encoding="utf-8"?>
-<p:sld xmlns:a="http://schemas.openxmlformats.org/drawingml/2006/main" xmlns:p="http://schemas.openxmlformats.org/presentationml/2006/main" xmlns:r="http://schemas.openxmlformats.org/officeDocument/2006/relationships">
+<p:sld xmlns:a="http://schemas.openxmlformats.org/drawingml/2006/main" xmlns:r="http://schemas.openxmlformats.org/officeDocument/2006/relationships" xmlns:p="http://schemas.openxmlformats.org/presentationml/2006/main">
   <p:cSld>
     <p:bg>
       <p:bgPr>
@@ -17005,7 +17002,14 @@
         <p:cNvGrpSpPr/>
         <p:nvPr/>
       </p:nvGrpSpPr>
-      <p:grpSpPr/>
+      <p:grpSpPr>
+        <a:xfrm>
+          <a:off x="0" y="0"/>
+          <a:ext cx="0" cy="0"/>
+          <a:chOff x="0" y="0"/>
+          <a:chExt cx="0" cy="0"/>
+        </a:xfrm>
+      </p:grpSpPr>
       <p:sp>
         <p:nvSpPr>
           <p:cNvPr id="2" name="Rectangle 1"/>
@@ -17046,6 +17050,7 @@
           <a:lstStyle/>
           <a:p>
             <a:pPr algn="ctr"/>
+            <a:endParaRPr/>
           </a:p>
         </p:txBody>
       </p:sp>
@@ -17089,6 +17094,7 @@
           <a:lstStyle/>
           <a:p>
             <a:pPr algn="ctr"/>
+            <a:endParaRPr/>
           </a:p>
         </p:txBody>
       </p:sp>
@@ -17168,6 +17174,7 @@
           <a:lstStyle/>
           <a:p>
             <a:pPr algn="ctr"/>
+            <a:endParaRPr/>
           </a:p>
         </p:txBody>
       </p:sp>
@@ -17247,6 +17254,7 @@
           <a:lstStyle/>
           <a:p>
             <a:pPr algn="ctr"/>
+            <a:endParaRPr/>
           </a:p>
         </p:txBody>
       </p:sp>
@@ -17326,6 +17334,7 @@
           <a:lstStyle/>
           <a:p>
             <a:pPr algn="ctr"/>
+            <a:endParaRPr/>
           </a:p>
         </p:txBody>
       </p:sp>
@@ -17405,6 +17414,7 @@
           <a:lstStyle/>
           <a:p>
             <a:pPr algn="ctr"/>
+            <a:endParaRPr/>
           </a:p>
         </p:txBody>
       </p:sp>
@@ -17484,6 +17494,7 @@
           <a:lstStyle/>
           <a:p>
             <a:pPr algn="ctr"/>
+            <a:endParaRPr/>
           </a:p>
         </p:txBody>
       </p:sp>
@@ -17563,6 +17574,7 @@
           <a:lstStyle/>
           <a:p>
             <a:pPr algn="ctr"/>
+            <a:endParaRPr/>
           </a:p>
         </p:txBody>
       </p:sp>
@@ -17642,6 +17654,7 @@
           <a:lstStyle/>
           <a:p>
             <a:pPr algn="ctr"/>
+            <a:endParaRPr/>
           </a:p>
         </p:txBody>
       </p:sp>
@@ -17721,6 +17734,7 @@
           <a:lstStyle/>
           <a:p>
             <a:pPr algn="ctr"/>
+            <a:endParaRPr/>
           </a:p>
         </p:txBody>
       </p:sp>
@@ -17769,7 +17783,7 @@
 </file>
 
 <file path=ppt/slides/slide27.xml><?xml version="1.0" encoding="utf-8"?>
-<p:sld xmlns:a="http://schemas.openxmlformats.org/drawingml/2006/main" xmlns:p="http://schemas.openxmlformats.org/presentationml/2006/main" xmlns:r="http://schemas.openxmlformats.org/officeDocument/2006/relationships">
+<p:sld xmlns:a="http://schemas.openxmlformats.org/drawingml/2006/main" xmlns:r="http://schemas.openxmlformats.org/officeDocument/2006/relationships" xmlns:p="http://schemas.openxmlformats.org/presentationml/2006/main">
   <p:cSld>
     <p:bg>
       <p:bgPr>
@@ -17785,7 +17799,14 @@
         <p:cNvGrpSpPr/>
         <p:nvPr/>
       </p:nvGrpSpPr>
-      <p:grpSpPr/>
+      <p:grpSpPr>
+        <a:xfrm>
+          <a:off x="0" y="0"/>
+          <a:ext cx="0" cy="0"/>
+          <a:chOff x="0" y="0"/>
+          <a:chExt cx="0" cy="0"/>
+        </a:xfrm>
+      </p:grpSpPr>
       <p:sp>
         <p:nvSpPr>
           <p:cNvPr id="2" name="Rectangle 1"/>
@@ -17826,6 +17847,7 @@
           <a:lstStyle/>
           <a:p>
             <a:pPr algn="ctr"/>
+            <a:endParaRPr/>
           </a:p>
         </p:txBody>
       </p:sp>
@@ -17869,6 +17891,7 @@
           <a:lstStyle/>
           <a:p>
             <a:pPr algn="ctr"/>
+            <a:endParaRPr/>
           </a:p>
         </p:txBody>
       </p:sp>
@@ -17903,6 +17926,7 @@
               </a:defRPr>
             </a:pPr>
             <a:r>
+              <a:rPr dirty="0"/>
               <a:t>Knowledge Check</a:t>
             </a:r>
           </a:p>
@@ -17948,6 +17972,7 @@
           <a:lstStyle/>
           <a:p>
             <a:pPr algn="ctr"/>
+            <a:endParaRPr/>
           </a:p>
         </p:txBody>
       </p:sp>
@@ -18436,7 +18461,7 @@
 </file>
 
 <file path=ppt/slides/slide28.xml><?xml version="1.0" encoding="utf-8"?>
-<p:sld xmlns:a="http://schemas.openxmlformats.org/drawingml/2006/main" xmlns:p="http://schemas.openxmlformats.org/presentationml/2006/main" xmlns:r="http://schemas.openxmlformats.org/officeDocument/2006/relationships">
+<p:sld xmlns:a="http://schemas.openxmlformats.org/drawingml/2006/main" xmlns:r="http://schemas.openxmlformats.org/officeDocument/2006/relationships" xmlns:p="http://schemas.openxmlformats.org/presentationml/2006/main">
   <p:cSld>
     <p:bg>
       <p:bgPr>
@@ -18452,7 +18477,14 @@
         <p:cNvGrpSpPr/>
         <p:nvPr/>
       </p:nvGrpSpPr>
-      <p:grpSpPr/>
+      <p:grpSpPr>
+        <a:xfrm>
+          <a:off x="0" y="0"/>
+          <a:ext cx="0" cy="0"/>
+          <a:chOff x="0" y="0"/>
+          <a:chExt cx="0" cy="0"/>
+        </a:xfrm>
+      </p:grpSpPr>
       <p:sp>
         <p:nvSpPr>
           <p:cNvPr id="2" name="Rectangle 1"/>
@@ -18493,6 +18525,7 @@
           <a:lstStyle/>
           <a:p>
             <a:pPr algn="ctr"/>
+            <a:endParaRPr/>
           </a:p>
         </p:txBody>
       </p:sp>
@@ -18684,6 +18717,7 @@
           <a:lstStyle/>
           <a:p>
             <a:pPr algn="ctr"/>
+            <a:endParaRPr/>
           </a:p>
         </p:txBody>
       </p:sp>
@@ -18732,7 +18766,7 @@
 </file>
 
 <file path=ppt/slides/slide3.xml><?xml version="1.0" encoding="utf-8"?>
-<p:sld xmlns:a="http://schemas.openxmlformats.org/drawingml/2006/main" xmlns:p="http://schemas.openxmlformats.org/presentationml/2006/main" xmlns:r="http://schemas.openxmlformats.org/officeDocument/2006/relationships">
+<p:sld xmlns:a="http://schemas.openxmlformats.org/drawingml/2006/main" xmlns:r="http://schemas.openxmlformats.org/officeDocument/2006/relationships" xmlns:p="http://schemas.openxmlformats.org/presentationml/2006/main">
   <p:cSld>
     <p:bg>
       <p:bgPr>
@@ -18748,7 +18782,14 @@
         <p:cNvGrpSpPr/>
         <p:nvPr/>
       </p:nvGrpSpPr>
-      <p:grpSpPr/>
+      <p:grpSpPr>
+        <a:xfrm>
+          <a:off x="0" y="0"/>
+          <a:ext cx="0" cy="0"/>
+          <a:chOff x="0" y="0"/>
+          <a:chExt cx="0" cy="0"/>
+        </a:xfrm>
+      </p:grpSpPr>
       <p:sp>
         <p:nvSpPr>
           <p:cNvPr id="2" name="Rectangle 1"/>
@@ -18789,6 +18830,7 @@
           <a:lstStyle/>
           <a:p>
             <a:pPr algn="ctr"/>
+            <a:endParaRPr/>
           </a:p>
         </p:txBody>
       </p:sp>
@@ -18832,6 +18874,7 @@
           <a:lstStyle/>
           <a:p>
             <a:pPr algn="ctr"/>
+            <a:endParaRPr/>
           </a:p>
         </p:txBody>
       </p:sp>
@@ -18911,6 +18954,7 @@
           <a:lstStyle/>
           <a:p>
             <a:pPr algn="ctr"/>
+            <a:endParaRPr/>
           </a:p>
         </p:txBody>
       </p:sp>
@@ -18986,7 +19030,7 @@
           </a:fontRef>
         </p:style>
         <p:txBody>
-          <a:bodyPr rtlCol="0" anchor="ctr" wrap="none"/>
+          <a:bodyPr wrap="none" rtlCol="0" anchor="ctr"/>
           <a:lstStyle/>
           <a:p>
             <a:pPr algn="ctr">
@@ -19074,7 +19118,7 @@
           </a:fontRef>
         </p:style>
         <p:txBody>
-          <a:bodyPr rtlCol="0" anchor="ctr" wrap="none"/>
+          <a:bodyPr wrap="none" rtlCol="0" anchor="ctr"/>
           <a:lstStyle/>
           <a:p>
             <a:pPr algn="ctr">
@@ -19162,7 +19206,7 @@
           </a:fontRef>
         </p:style>
         <p:txBody>
-          <a:bodyPr rtlCol="0" anchor="ctr" wrap="none"/>
+          <a:bodyPr wrap="none" rtlCol="0" anchor="ctr"/>
           <a:lstStyle/>
           <a:p>
             <a:pPr algn="ctr">
@@ -19250,7 +19294,7 @@
           </a:fontRef>
         </p:style>
         <p:txBody>
-          <a:bodyPr rtlCol="0" anchor="ctr" wrap="none"/>
+          <a:bodyPr wrap="none" rtlCol="0" anchor="ctr"/>
           <a:lstStyle/>
           <a:p>
             <a:pPr algn="ctr">
@@ -19311,7 +19355,7 @@
 </file>
 
 <file path=ppt/slides/slide4.xml><?xml version="1.0" encoding="utf-8"?>
-<p:sld xmlns:a="http://schemas.openxmlformats.org/drawingml/2006/main" xmlns:p="http://schemas.openxmlformats.org/presentationml/2006/main" xmlns:r="http://schemas.openxmlformats.org/officeDocument/2006/relationships">
+<p:sld xmlns:a="http://schemas.openxmlformats.org/drawingml/2006/main" xmlns:r="http://schemas.openxmlformats.org/officeDocument/2006/relationships" xmlns:p="http://schemas.openxmlformats.org/presentationml/2006/main">
   <p:cSld>
     <p:bg>
       <p:bgPr>
@@ -19327,7 +19371,14 @@
         <p:cNvGrpSpPr/>
         <p:nvPr/>
       </p:nvGrpSpPr>
-      <p:grpSpPr/>
+      <p:grpSpPr>
+        <a:xfrm>
+          <a:off x="0" y="0"/>
+          <a:ext cx="0" cy="0"/>
+          <a:chOff x="0" y="0"/>
+          <a:chExt cx="0" cy="0"/>
+        </a:xfrm>
+      </p:grpSpPr>
       <p:sp>
         <p:nvSpPr>
           <p:cNvPr id="2" name="Rectangle 1"/>
@@ -19368,6 +19419,7 @@
           <a:lstStyle/>
           <a:p>
             <a:pPr algn="ctr"/>
+            <a:endParaRPr/>
           </a:p>
         </p:txBody>
       </p:sp>
@@ -19483,6 +19535,7 @@
           <a:lstStyle/>
           <a:p>
             <a:pPr algn="ctr"/>
+            <a:endParaRPr/>
           </a:p>
         </p:txBody>
       </p:sp>
@@ -19531,7 +19584,7 @@
 </file>
 
 <file path=ppt/slides/slide5.xml><?xml version="1.0" encoding="utf-8"?>
-<p:sld xmlns:a="http://schemas.openxmlformats.org/drawingml/2006/main" xmlns:p="http://schemas.openxmlformats.org/presentationml/2006/main" xmlns:r="http://schemas.openxmlformats.org/officeDocument/2006/relationships">
+<p:sld xmlns:a="http://schemas.openxmlformats.org/drawingml/2006/main" xmlns:r="http://schemas.openxmlformats.org/officeDocument/2006/relationships" xmlns:p="http://schemas.openxmlformats.org/presentationml/2006/main">
   <p:cSld>
     <p:bg>
       <p:bgPr>
@@ -19547,7 +19600,14 @@
         <p:cNvGrpSpPr/>
         <p:nvPr/>
       </p:nvGrpSpPr>
-      <p:grpSpPr/>
+      <p:grpSpPr>
+        <a:xfrm>
+          <a:off x="0" y="0"/>
+          <a:ext cx="0" cy="0"/>
+          <a:chOff x="0" y="0"/>
+          <a:chExt cx="0" cy="0"/>
+        </a:xfrm>
+      </p:grpSpPr>
       <p:sp>
         <p:nvSpPr>
           <p:cNvPr id="2" name="Rectangle 1"/>
@@ -19588,6 +19648,7 @@
           <a:lstStyle/>
           <a:p>
             <a:pPr algn="ctr"/>
+            <a:endParaRPr/>
           </a:p>
         </p:txBody>
       </p:sp>
@@ -19631,6 +19692,7 @@
           <a:lstStyle/>
           <a:p>
             <a:pPr algn="ctr"/>
+            <a:endParaRPr/>
           </a:p>
         </p:txBody>
       </p:sp>
@@ -19710,6 +19772,7 @@
           <a:lstStyle/>
           <a:p>
             <a:pPr algn="ctr"/>
+            <a:endParaRPr/>
           </a:p>
         </p:txBody>
       </p:sp>
@@ -19789,6 +19852,7 @@
           <a:lstStyle/>
           <a:p>
             <a:pPr algn="ctr"/>
+            <a:endParaRPr/>
           </a:p>
         </p:txBody>
       </p:sp>
@@ -19980,6 +20044,7 @@
           <a:lstStyle/>
           <a:p>
             <a:pPr algn="ctr"/>
+            <a:endParaRPr/>
           </a:p>
         </p:txBody>
       </p:sp>
@@ -20050,6 +20115,7 @@
               </a:defRPr>
             </a:pPr>
             <a:r>
+              <a:rPr dirty="0"/>
               <a:t>Declarative (JSON Formatting)</a:t>
             </a:r>
           </a:p>
@@ -20063,7 +20129,7 @@
         </p:nvSpPr>
         <p:spPr>
           <a:xfrm>
-            <a:off x="1828800" y="3474720"/>
+            <a:off x="1828800" y="3735978"/>
             <a:ext cx="3657600" cy="365760"/>
           </a:xfrm>
           <a:prstGeom prst="rect">
@@ -20086,6 +20152,7 @@
               </a:defRPr>
             </a:pPr>
             <a:r>
+              <a:rPr dirty="0"/>
               <a:t>Low risk  •  JSON only</a:t>
             </a:r>
           </a:p>
@@ -20171,6 +20238,7 @@
           <a:lstStyle/>
           <a:p>
             <a:pPr algn="ctr"/>
+            <a:endParaRPr/>
           </a:p>
         </p:txBody>
       </p:sp>
@@ -20254,7 +20322,7 @@
         </p:nvSpPr>
         <p:spPr>
           <a:xfrm>
-            <a:off x="1828800" y="5120640"/>
+            <a:off x="1828800" y="5327468"/>
             <a:ext cx="3657600" cy="365760"/>
           </a:xfrm>
           <a:prstGeom prst="rect">
@@ -20277,6 +20345,7 @@
               </a:defRPr>
             </a:pPr>
             <a:r>
+              <a:rPr dirty="0"/>
               <a:t>Highest flexibility  •  Code</a:t>
             </a:r>
           </a:p>
@@ -20366,7 +20435,7 @@
         </p:nvSpPr>
         <p:spPr>
           <a:xfrm>
-            <a:off x="137160" y="5212080"/>
+            <a:off x="-4354" y="5212080"/>
             <a:ext cx="822960" cy="365760"/>
           </a:xfrm>
           <a:prstGeom prst="rect">
@@ -20389,6 +20458,7 @@
               </a:defRPr>
             </a:pPr>
             <a:r>
+              <a:rPr dirty="0"/>
               <a:t>Flexibility ▼</a:t>
             </a:r>
           </a:p>
@@ -20403,7 +20473,7 @@
 </file>
 
 <file path=ppt/slides/slide6.xml><?xml version="1.0" encoding="utf-8"?>
-<p:sld xmlns:a="http://schemas.openxmlformats.org/drawingml/2006/main" xmlns:p="http://schemas.openxmlformats.org/presentationml/2006/main" xmlns:r="http://schemas.openxmlformats.org/officeDocument/2006/relationships">
+<p:sld xmlns:a="http://schemas.openxmlformats.org/drawingml/2006/main" xmlns:r="http://schemas.openxmlformats.org/officeDocument/2006/relationships" xmlns:p="http://schemas.openxmlformats.org/presentationml/2006/main">
   <p:cSld>
     <p:bg>
       <p:bgPr>
@@ -20419,7 +20489,14 @@
         <p:cNvGrpSpPr/>
         <p:nvPr/>
       </p:nvGrpSpPr>
-      <p:grpSpPr/>
+      <p:grpSpPr>
+        <a:xfrm>
+          <a:off x="0" y="0"/>
+          <a:ext cx="0" cy="0"/>
+          <a:chOff x="0" y="0"/>
+          <a:chExt cx="0" cy="0"/>
+        </a:xfrm>
+      </p:grpSpPr>
       <p:sp>
         <p:nvSpPr>
           <p:cNvPr id="2" name="Rectangle 1"/>
@@ -20460,6 +20537,7 @@
           <a:lstStyle/>
           <a:p>
             <a:pPr algn="ctr"/>
+            <a:endParaRPr/>
           </a:p>
         </p:txBody>
       </p:sp>
@@ -20503,6 +20581,7 @@
           <a:lstStyle/>
           <a:p>
             <a:pPr algn="ctr"/>
+            <a:endParaRPr/>
           </a:p>
         </p:txBody>
       </p:sp>
@@ -20582,6 +20661,7 @@
           <a:lstStyle/>
           <a:p>
             <a:pPr algn="ctr"/>
+            <a:endParaRPr/>
           </a:p>
         </p:txBody>
       </p:sp>
@@ -20766,6 +20846,7 @@
           <a:lstStyle/>
           <a:p>
             <a:pPr algn="ctr"/>
+            <a:endParaRPr/>
           </a:p>
         </p:txBody>
       </p:sp>
@@ -20858,7 +20939,7 @@
 </file>
 
 <file path=ppt/slides/slide7.xml><?xml version="1.0" encoding="utf-8"?>
-<p:sld xmlns:a="http://schemas.openxmlformats.org/drawingml/2006/main" xmlns:p="http://schemas.openxmlformats.org/presentationml/2006/main" xmlns:r="http://schemas.openxmlformats.org/officeDocument/2006/relationships">
+<p:sld xmlns:a="http://schemas.openxmlformats.org/drawingml/2006/main" xmlns:r="http://schemas.openxmlformats.org/officeDocument/2006/relationships" xmlns:p="http://schemas.openxmlformats.org/presentationml/2006/main">
   <p:cSld>
     <p:bg>
       <p:bgPr>
@@ -20874,7 +20955,14 @@
         <p:cNvGrpSpPr/>
         <p:nvPr/>
       </p:nvGrpSpPr>
-      <p:grpSpPr/>
+      <p:grpSpPr>
+        <a:xfrm>
+          <a:off x="0" y="0"/>
+          <a:ext cx="0" cy="0"/>
+          <a:chOff x="0" y="0"/>
+          <a:chExt cx="0" cy="0"/>
+        </a:xfrm>
+      </p:grpSpPr>
       <p:sp>
         <p:nvSpPr>
           <p:cNvPr id="2" name="Rectangle 1"/>
@@ -20915,6 +21003,7 @@
           <a:lstStyle/>
           <a:p>
             <a:pPr algn="ctr"/>
+            <a:endParaRPr/>
           </a:p>
         </p:txBody>
       </p:sp>
@@ -20958,6 +21047,7 @@
           <a:lstStyle/>
           <a:p>
             <a:pPr algn="ctr"/>
+            <a:endParaRPr/>
           </a:p>
         </p:txBody>
       </p:sp>
@@ -21037,6 +21127,7 @@
           <a:lstStyle/>
           <a:p>
             <a:pPr algn="ctr"/>
+            <a:endParaRPr/>
           </a:p>
         </p:txBody>
       </p:sp>
@@ -21154,6 +21245,7 @@
           <a:lstStyle/>
           <a:p>
             <a:pPr algn="ctr"/>
+            <a:endParaRPr/>
           </a:p>
         </p:txBody>
       </p:sp>
@@ -21311,6 +21403,7 @@
           <a:lstStyle/>
           <a:p>
             <a:pPr algn="ctr"/>
+            <a:endParaRPr/>
           </a:p>
         </p:txBody>
       </p:sp>
@@ -21468,6 +21561,7 @@
           <a:lstStyle/>
           <a:p>
             <a:pPr algn="ctr"/>
+            <a:endParaRPr/>
           </a:p>
         </p:txBody>
       </p:sp>
@@ -21592,7 +21686,7 @@
 </file>
 
 <file path=ppt/slides/slide8.xml><?xml version="1.0" encoding="utf-8"?>
-<p:sld xmlns:a="http://schemas.openxmlformats.org/drawingml/2006/main" xmlns:p="http://schemas.openxmlformats.org/presentationml/2006/main" xmlns:r="http://schemas.openxmlformats.org/officeDocument/2006/relationships">
+<p:sld xmlns:a="http://schemas.openxmlformats.org/drawingml/2006/main" xmlns:r="http://schemas.openxmlformats.org/officeDocument/2006/relationships" xmlns:p="http://schemas.openxmlformats.org/presentationml/2006/main">
   <p:cSld>
     <p:bg>
       <p:bgPr>
@@ -21608,7 +21702,14 @@
         <p:cNvGrpSpPr/>
         <p:nvPr/>
       </p:nvGrpSpPr>
-      <p:grpSpPr/>
+      <p:grpSpPr>
+        <a:xfrm>
+          <a:off x="0" y="0"/>
+          <a:ext cx="0" cy="0"/>
+          <a:chOff x="0" y="0"/>
+          <a:chExt cx="0" cy="0"/>
+        </a:xfrm>
+      </p:grpSpPr>
       <p:sp>
         <p:nvSpPr>
           <p:cNvPr id="2" name="Rectangle 1"/>
@@ -21649,6 +21750,7 @@
           <a:lstStyle/>
           <a:p>
             <a:pPr algn="ctr"/>
+            <a:endParaRPr/>
           </a:p>
         </p:txBody>
       </p:sp>
@@ -21692,6 +21794,7 @@
           <a:lstStyle/>
           <a:p>
             <a:pPr algn="ctr"/>
+            <a:endParaRPr/>
           </a:p>
         </p:txBody>
       </p:sp>
@@ -21771,6 +21874,7 @@
           <a:lstStyle/>
           <a:p>
             <a:pPr algn="ctr"/>
+            <a:endParaRPr/>
           </a:p>
         </p:txBody>
       </p:sp>
@@ -22292,6 +22396,7 @@
           <a:lstStyle/>
           <a:p>
             <a:pPr algn="ctr"/>
+            <a:endParaRPr/>
           </a:p>
         </p:txBody>
       </p:sp>
@@ -22344,7 +22449,7 @@
 </file>
 
 <file path=ppt/slides/slide9.xml><?xml version="1.0" encoding="utf-8"?>
-<p:sld xmlns:a="http://schemas.openxmlformats.org/drawingml/2006/main" xmlns:p="http://schemas.openxmlformats.org/presentationml/2006/main" xmlns:r="http://schemas.openxmlformats.org/officeDocument/2006/relationships">
+<p:sld xmlns:a="http://schemas.openxmlformats.org/drawingml/2006/main" xmlns:r="http://schemas.openxmlformats.org/officeDocument/2006/relationships" xmlns:p="http://schemas.openxmlformats.org/presentationml/2006/main">
   <p:cSld>
     <p:bg>
       <p:bgPr>
@@ -22360,7 +22465,14 @@
         <p:cNvGrpSpPr/>
         <p:nvPr/>
       </p:nvGrpSpPr>
-      <p:grpSpPr/>
+      <p:grpSpPr>
+        <a:xfrm>
+          <a:off x="0" y="0"/>
+          <a:ext cx="0" cy="0"/>
+          <a:chOff x="0" y="0"/>
+          <a:chExt cx="0" cy="0"/>
+        </a:xfrm>
+      </p:grpSpPr>
       <p:sp>
         <p:nvSpPr>
           <p:cNvPr id="2" name="Rectangle 1"/>
@@ -22401,6 +22513,7 @@
           <a:lstStyle/>
           <a:p>
             <a:pPr algn="ctr"/>
+            <a:endParaRPr/>
           </a:p>
         </p:txBody>
       </p:sp>
@@ -22444,6 +22557,7 @@
           <a:lstStyle/>
           <a:p>
             <a:pPr algn="ctr"/>
+            <a:endParaRPr/>
           </a:p>
         </p:txBody>
       </p:sp>
@@ -22523,6 +22637,7 @@
           <a:lstStyle/>
           <a:p>
             <a:pPr algn="ctr"/>
+            <a:endParaRPr/>
           </a:p>
         </p:txBody>
       </p:sp>
@@ -22602,6 +22717,7 @@
           <a:lstStyle/>
           <a:p>
             <a:pPr algn="ctr"/>
+            <a:endParaRPr/>
           </a:p>
         </p:txBody>
       </p:sp>
@@ -23191,44 +23307,44 @@
         <a:sysClr val="window" lastClr="FFFFFF"/>
       </a:lt1>
       <a:dk2>
-        <a:srgbClr val="1F497D"/>
+        <a:srgbClr val="0E2841"/>
       </a:dk2>
       <a:lt2>
-        <a:srgbClr val="EEECE1"/>
+        <a:srgbClr val="E8E8E8"/>
       </a:lt2>
       <a:accent1>
-        <a:srgbClr val="4F81BD"/>
+        <a:srgbClr val="156082"/>
       </a:accent1>
       <a:accent2>
-        <a:srgbClr val="C0504D"/>
+        <a:srgbClr val="E97132"/>
       </a:accent2>
       <a:accent3>
-        <a:srgbClr val="9BBB59"/>
+        <a:srgbClr val="196B24"/>
       </a:accent3>
       <a:accent4>
-        <a:srgbClr val="8064A2"/>
+        <a:srgbClr val="0F9ED5"/>
       </a:accent4>
       <a:accent5>
-        <a:srgbClr val="4BACC6"/>
+        <a:srgbClr val="A02B93"/>
       </a:accent5>
       <a:accent6>
-        <a:srgbClr val="F79646"/>
+        <a:srgbClr val="4EA72E"/>
       </a:accent6>
       <a:hlink>
-        <a:srgbClr val="0000FF"/>
+        <a:srgbClr val="467886"/>
       </a:hlink>
       <a:folHlink>
-        <a:srgbClr val="800080"/>
+        <a:srgbClr val="96607D"/>
       </a:folHlink>
     </a:clrScheme>
     <a:fontScheme name="Office">
       <a:majorFont>
-        <a:latin typeface="Calibri"/>
+        <a:latin typeface="Aptos Display" panose="02110004020202020204"/>
         <a:ea typeface=""/>
         <a:cs typeface=""/>
-        <a:font script="Jpan" typeface="ＭＳ Ｐゴシック"/>
+        <a:font script="Jpan" typeface="游ゴシック Light"/>
         <a:font script="Hang" typeface="맑은 고딕"/>
-        <a:font script="Hans" typeface="宋体"/>
+        <a:font script="Hans" typeface="等线 Light"/>
         <a:font script="Hant" typeface="新細明體"/>
         <a:font script="Arab" typeface="Times New Roman"/>
         <a:font script="Hebr" typeface="Times New Roman"/>
@@ -23256,14 +23372,31 @@
         <a:font script="Viet" typeface="Times New Roman"/>
         <a:font script="Uigh" typeface="Microsoft Uighur"/>
         <a:font script="Geor" typeface="Sylfaen"/>
+        <a:font script="Armn" typeface="Arial"/>
+        <a:font script="Bugi" typeface="Leelawadee UI"/>
+        <a:font script="Bopo" typeface="Microsoft JhengHei"/>
+        <a:font script="Java" typeface="Javanese Text"/>
+        <a:font script="Lisu" typeface="Segoe UI"/>
+        <a:font script="Mymr" typeface="Myanmar Text"/>
+        <a:font script="Nkoo" typeface="Ebrima"/>
+        <a:font script="Olck" typeface="Nirmala UI"/>
+        <a:font script="Osma" typeface="Ebrima"/>
+        <a:font script="Phag" typeface="Phagspa"/>
+        <a:font script="Syrn" typeface="Estrangelo Edessa"/>
+        <a:font script="Syrj" typeface="Estrangelo Edessa"/>
+        <a:font script="Syre" typeface="Estrangelo Edessa"/>
+        <a:font script="Sora" typeface="Nirmala UI"/>
+        <a:font script="Tale" typeface="Microsoft Tai Le"/>
+        <a:font script="Talu" typeface="Microsoft New Tai Lue"/>
+        <a:font script="Tfng" typeface="Ebrima"/>
       </a:majorFont>
       <a:minorFont>
-        <a:latin typeface="Calibri"/>
+        <a:latin typeface="Aptos" panose="02110004020202020204"/>
         <a:ea typeface=""/>
         <a:cs typeface=""/>
-        <a:font script="Jpan" typeface="ＭＳ Ｐゴシック"/>
+        <a:font script="Jpan" typeface="游ゴシック"/>
         <a:font script="Hang" typeface="맑은 고딕"/>
-        <a:font script="Hans" typeface="宋体"/>
+        <a:font script="Hans" typeface="等线"/>
         <a:font script="Hant" typeface="新細明體"/>
         <a:font script="Arab" typeface="Arial"/>
         <a:font script="Hebr" typeface="Arial"/>
@@ -23291,6 +23424,23 @@
         <a:font script="Viet" typeface="Arial"/>
         <a:font script="Uigh" typeface="Microsoft Uighur"/>
         <a:font script="Geor" typeface="Sylfaen"/>
+        <a:font script="Armn" typeface="Arial"/>
+        <a:font script="Bugi" typeface="Leelawadee UI"/>
+        <a:font script="Bopo" typeface="Microsoft JhengHei"/>
+        <a:font script="Java" typeface="Javanese Text"/>
+        <a:font script="Lisu" typeface="Segoe UI"/>
+        <a:font script="Mymr" typeface="Myanmar Text"/>
+        <a:font script="Nkoo" typeface="Ebrima"/>
+        <a:font script="Olck" typeface="Nirmala UI"/>
+        <a:font script="Osma" typeface="Ebrima"/>
+        <a:font script="Phag" typeface="Phagspa"/>
+        <a:font script="Syrn" typeface="Estrangelo Edessa"/>
+        <a:font script="Syrj" typeface="Estrangelo Edessa"/>
+        <a:font script="Syre" typeface="Estrangelo Edessa"/>
+        <a:font script="Sora" typeface="Nirmala UI"/>
+        <a:font script="Tale" typeface="Microsoft Tai Le"/>
+        <a:font script="Talu" typeface="Microsoft New Tai Lue"/>
+        <a:font script="Tfng" typeface="Ebrima"/>
       </a:minorFont>
     </a:fontScheme>
     <a:fmtScheme name="Office">
@@ -23302,180 +23452,136 @@
           <a:gsLst>
             <a:gs pos="0">
               <a:schemeClr val="phClr">
-                <a:tint val="50000"/>
-                <a:satMod val="300000"/>
+                <a:lumMod val="110000"/>
+                <a:satMod val="105000"/>
+                <a:tint val="67000"/>
               </a:schemeClr>
             </a:gs>
-            <a:gs pos="35000">
+            <a:gs pos="50000">
               <a:schemeClr val="phClr">
-                <a:tint val="37000"/>
-                <a:satMod val="300000"/>
+                <a:lumMod val="105000"/>
+                <a:satMod val="103000"/>
+                <a:tint val="73000"/>
               </a:schemeClr>
             </a:gs>
             <a:gs pos="100000">
               <a:schemeClr val="phClr">
-                <a:tint val="15000"/>
-                <a:satMod val="350000"/>
+                <a:lumMod val="105000"/>
+                <a:satMod val="109000"/>
+                <a:tint val="81000"/>
               </a:schemeClr>
             </a:gs>
           </a:gsLst>
-          <a:lin ang="16200000" scaled="1"/>
+          <a:lin ang="5400000" scaled="0"/>
         </a:gradFill>
         <a:gradFill rotWithShape="1">
           <a:gsLst>
             <a:gs pos="0">
               <a:schemeClr val="phClr">
-                <a:tint val="100000"/>
+                <a:satMod val="103000"/>
+                <a:lumMod val="102000"/>
+                <a:tint val="94000"/>
+              </a:schemeClr>
+            </a:gs>
+            <a:gs pos="50000">
+              <a:schemeClr val="phClr">
+                <a:satMod val="110000"/>
+                <a:lumMod val="100000"/>
                 <a:shade val="100000"/>
-                <a:satMod val="130000"/>
               </a:schemeClr>
             </a:gs>
             <a:gs pos="100000">
               <a:schemeClr val="phClr">
-                <a:tint val="50000"/>
-                <a:shade val="100000"/>
-                <a:satMod val="350000"/>
+                <a:lumMod val="99000"/>
+                <a:satMod val="120000"/>
+                <a:shade val="78000"/>
               </a:schemeClr>
             </a:gs>
           </a:gsLst>
-          <a:lin ang="16200000" scaled="0"/>
+          <a:lin ang="5400000" scaled="0"/>
         </a:gradFill>
       </a:fillStyleLst>
       <a:lnStyleLst>
-        <a:ln w="9525" cap="flat" cmpd="sng" algn="ctr">
+        <a:ln w="12700" cap="flat" cmpd="sng" algn="ctr">
           <a:solidFill>
-            <a:schemeClr val="phClr">
-              <a:shade val="95000"/>
-              <a:satMod val="105000"/>
-            </a:schemeClr>
+            <a:schemeClr val="phClr"/>
           </a:solidFill>
           <a:prstDash val="solid"/>
+          <a:miter lim="800000"/>
+        </a:ln>
+        <a:ln w="19050" cap="flat" cmpd="sng" algn="ctr">
+          <a:solidFill>
+            <a:schemeClr val="phClr"/>
+          </a:solidFill>
+          <a:prstDash val="solid"/>
+          <a:miter lim="800000"/>
         </a:ln>
         <a:ln w="25400" cap="flat" cmpd="sng" algn="ctr">
           <a:solidFill>
             <a:schemeClr val="phClr"/>
           </a:solidFill>
           <a:prstDash val="solid"/>
-        </a:ln>
-        <a:ln w="38100" cap="flat" cmpd="sng" algn="ctr">
-          <a:solidFill>
-            <a:schemeClr val="phClr"/>
-          </a:solidFill>
-          <a:prstDash val="solid"/>
+          <a:miter lim="800000"/>
         </a:ln>
       </a:lnStyleLst>
       <a:effectStyleLst>
         <a:effectStyle>
+          <a:effectLst/>
+        </a:effectStyle>
+        <a:effectStyle>
+          <a:effectLst/>
+        </a:effectStyle>
+        <a:effectStyle>
           <a:effectLst>
-            <a:outerShdw blurRad="40000" dist="20000" dir="5400000" rotWithShape="0">
+            <a:outerShdw blurRad="57150" dist="19050" dir="5400000" algn="ctr" rotWithShape="0">
               <a:srgbClr val="000000">
-                <a:alpha val="38000"/>
+                <a:alpha val="63000"/>
               </a:srgbClr>
             </a:outerShdw>
           </a:effectLst>
-        </a:effectStyle>
-        <a:effectStyle>
-          <a:effectLst>
-            <a:outerShdw blurRad="40000" dist="23000" dir="5400000" rotWithShape="0">
-              <a:srgbClr val="000000">
-                <a:alpha val="35000"/>
-              </a:srgbClr>
-            </a:outerShdw>
-          </a:effectLst>
-        </a:effectStyle>
-        <a:effectStyle>
-          <a:effectLst>
-            <a:outerShdw blurRad="40000" dist="23000" dir="5400000" rotWithShape="0">
-              <a:srgbClr val="000000">
-                <a:alpha val="35000"/>
-              </a:srgbClr>
-            </a:outerShdw>
-          </a:effectLst>
-          <a:scene3d>
-            <a:camera prst="orthographicFront">
-              <a:rot lat="0" lon="0" rev="0"/>
-            </a:camera>
-            <a:lightRig rig="threePt" dir="t">
-              <a:rot lat="0" lon="0" rev="1200000"/>
-            </a:lightRig>
-          </a:scene3d>
-          <a:sp3d>
-            <a:bevelT w="63500" h="25400"/>
-          </a:sp3d>
         </a:effectStyle>
       </a:effectStyleLst>
       <a:bgFillStyleLst>
         <a:solidFill>
           <a:schemeClr val="phClr"/>
         </a:solidFill>
+        <a:solidFill>
+          <a:schemeClr val="phClr">
+            <a:tint val="95000"/>
+            <a:satMod val="170000"/>
+          </a:schemeClr>
+        </a:solidFill>
         <a:gradFill rotWithShape="1">
           <a:gsLst>
             <a:gs pos="0">
               <a:schemeClr val="phClr">
-                <a:tint val="40000"/>
-                <a:satMod val="350000"/>
+                <a:tint val="93000"/>
+                <a:satMod val="150000"/>
+                <a:shade val="98000"/>
+                <a:lumMod val="102000"/>
               </a:schemeClr>
             </a:gs>
-            <a:gs pos="40000">
+            <a:gs pos="50000">
               <a:schemeClr val="phClr">
-                <a:tint val="45000"/>
-                <a:shade val="99000"/>
-                <a:satMod val="350000"/>
+                <a:tint val="98000"/>
+                <a:satMod val="130000"/>
+                <a:shade val="90000"/>
+                <a:lumMod val="103000"/>
               </a:schemeClr>
             </a:gs>
             <a:gs pos="100000">
               <a:schemeClr val="phClr">
-                <a:shade val="20000"/>
-                <a:satMod val="255000"/>
+                <a:shade val="63000"/>
+                <a:satMod val="120000"/>
               </a:schemeClr>
             </a:gs>
           </a:gsLst>
-          <a:path path="circle">
-            <a:fillToRect l="50000" t="-80000" r="50000" b="180000"/>
-          </a:path>
-        </a:gradFill>
-        <a:gradFill rotWithShape="1">
-          <a:gsLst>
-            <a:gs pos="0">
-              <a:schemeClr val="phClr">
-                <a:tint val="80000"/>
-                <a:satMod val="300000"/>
-              </a:schemeClr>
-            </a:gs>
-            <a:gs pos="100000">
-              <a:schemeClr val="phClr">
-                <a:shade val="30000"/>
-                <a:satMod val="200000"/>
-              </a:schemeClr>
-            </a:gs>
-          </a:gsLst>
-          <a:path path="circle">
-            <a:fillToRect l="50000" t="50000" r="50000" b="50000"/>
-          </a:path>
+          <a:lin ang="5400000" scaled="0"/>
         </a:gradFill>
       </a:bgFillStyleLst>
     </a:fmtScheme>
   </a:themeElements>
   <a:objectDefaults>
-    <a:spDef>
-      <a:spPr/>
-      <a:bodyPr/>
-      <a:lstStyle/>
-      <a:style>
-        <a:lnRef idx="1">
-          <a:schemeClr val="accent1"/>
-        </a:lnRef>
-        <a:fillRef idx="3">
-          <a:schemeClr val="accent1"/>
-        </a:fillRef>
-        <a:effectRef idx="2">
-          <a:schemeClr val="accent1"/>
-        </a:effectRef>
-        <a:fontRef idx="minor">
-          <a:schemeClr val="lt1"/>
-        </a:fontRef>
-      </a:style>
-    </a:spDef>
     <a:lnDef>
       <a:spPr/>
       <a:bodyPr/>
@@ -23497,5 +23603,10 @@
     </a:lnDef>
   </a:objectDefaults>
   <a:extraClrSchemeLst/>
+  <a:extLst>
+    <a:ext uri="{05A4C25C-085E-4340-85A3-A5531E510DB2}">
+      <thm15:themeFamily xmlns:thm15="http://schemas.microsoft.com/office/thememl/2012/main" name="Office Theme" id="{2E142A2C-CD16-42D6-873A-C26D2A0506FA}" vid="{1BDDFF52-6CD6-40A5-AB3C-68EB2F1E4D0A}"/>
+    </a:ext>
+  </a:extLst>
 </a:theme>
 </file>